--- a/Slides/Module 2 - Creating web pages in Flask.pptx
+++ b/Slides/Module 2 - Creating web pages in Flask.pptx
@@ -5,33 +5,35 @@
     <p:sldMasterId id="2147483660" r:id="rId4"/>
   </p:sldMasterIdLst>
   <p:notesMasterIdLst>
-    <p:notesMasterId r:id="rId26"/>
+    <p:notesMasterId r:id="rId28"/>
   </p:notesMasterIdLst>
   <p:handoutMasterIdLst>
-    <p:handoutMasterId r:id="rId27"/>
+    <p:handoutMasterId r:id="rId29"/>
   </p:handoutMasterIdLst>
   <p:sldIdLst>
     <p:sldId id="271" r:id="rId5"/>
     <p:sldId id="277" r:id="rId6"/>
     <p:sldId id="278" r:id="rId7"/>
-    <p:sldId id="283" r:id="rId8"/>
-    <p:sldId id="287" r:id="rId9"/>
-    <p:sldId id="289" r:id="rId10"/>
-    <p:sldId id="288" r:id="rId11"/>
-    <p:sldId id="290" r:id="rId12"/>
-    <p:sldId id="291" r:id="rId13"/>
-    <p:sldId id="292" r:id="rId14"/>
-    <p:sldId id="293" r:id="rId15"/>
-    <p:sldId id="284" r:id="rId16"/>
-    <p:sldId id="285" r:id="rId17"/>
-    <p:sldId id="286" r:id="rId18"/>
-    <p:sldId id="294" r:id="rId19"/>
-    <p:sldId id="295" r:id="rId20"/>
-    <p:sldId id="296" r:id="rId21"/>
-    <p:sldId id="297" r:id="rId22"/>
-    <p:sldId id="298" r:id="rId23"/>
-    <p:sldId id="299" r:id="rId24"/>
-    <p:sldId id="269" r:id="rId25"/>
+    <p:sldId id="301" r:id="rId8"/>
+    <p:sldId id="283" r:id="rId9"/>
+    <p:sldId id="287" r:id="rId10"/>
+    <p:sldId id="289" r:id="rId11"/>
+    <p:sldId id="288" r:id="rId12"/>
+    <p:sldId id="290" r:id="rId13"/>
+    <p:sldId id="291" r:id="rId14"/>
+    <p:sldId id="292" r:id="rId15"/>
+    <p:sldId id="300" r:id="rId16"/>
+    <p:sldId id="293" r:id="rId17"/>
+    <p:sldId id="284" r:id="rId18"/>
+    <p:sldId id="285" r:id="rId19"/>
+    <p:sldId id="286" r:id="rId20"/>
+    <p:sldId id="294" r:id="rId21"/>
+    <p:sldId id="295" r:id="rId22"/>
+    <p:sldId id="296" r:id="rId23"/>
+    <p:sldId id="302" r:id="rId24"/>
+    <p:sldId id="298" r:id="rId25"/>
+    <p:sldId id="299" r:id="rId26"/>
+    <p:sldId id="269" r:id="rId27"/>
   </p:sldIdLst>
   <p:sldSz cx="12192000" cy="6858000"/>
   <p:notesSz cx="6858000" cy="9144000"/>
@@ -223,7 +225,7 @@
           <a:p>
             <a:fld id="{312E7B4A-039C-48A2-9B2C-AF16AA3873D8}" type="datetimeFigureOut">
               <a:rPr lang="en-US" smtClean="0"/>
-              <a:t>11/10/2014</a:t>
+              <a:t>11/17/2014</a:t>
             </a:fld>
             <a:endParaRPr lang="en-US"/>
           </a:p>
@@ -388,7 +390,7 @@
           <a:p>
             <a:fld id="{DA005A0C-54D9-45AA-87D4-C551D08DFCE1}" type="datetimeFigureOut">
               <a:rPr lang="en-US" smtClean="0"/>
-              <a:t>11/10/2014</a:t>
+              <a:t>11/17/2014</a:t>
             </a:fld>
             <a:endParaRPr lang="en-US"/>
           </a:p>
@@ -3779,6 +3781,383 @@
 </file>
 
 <file path=ppt/slides/slide10.xml><?xml version="1.0" encoding="utf-8"?>
+<p:sld xmlns:a="http://schemas.openxmlformats.org/drawingml/2006/main" xmlns:r="http://schemas.openxmlformats.org/officeDocument/2006/relationships" xmlns:p="http://schemas.openxmlformats.org/presentationml/2006/main">
+  <p:cSld>
+    <p:spTree>
+      <p:nvGrpSpPr>
+        <p:cNvPr id="1" name=""/>
+        <p:cNvGrpSpPr/>
+        <p:nvPr/>
+      </p:nvGrpSpPr>
+      <p:grpSpPr>
+        <a:xfrm>
+          <a:off x="0" y="0"/>
+          <a:ext cx="0" cy="0"/>
+          <a:chOff x="0" y="0"/>
+          <a:chExt cx="0" cy="0"/>
+        </a:xfrm>
+      </p:grpSpPr>
+      <p:pic>
+        <p:nvPicPr>
+          <p:cNvPr id="8" name="Picture 7"/>
+          <p:cNvPicPr>
+            <a:picLocks noChangeAspect="1"/>
+          </p:cNvPicPr>
+          <p:nvPr/>
+        </p:nvPicPr>
+        <p:blipFill>
+          <a:blip r:embed="rId2" cstate="print">
+            <a:extLst>
+              <a:ext uri="{28A0092B-C50C-407E-A947-70E740481C1C}">
+                <a14:useLocalDpi xmlns:a14="http://schemas.microsoft.com/office/drawing/2010/main" val="0"/>
+              </a:ext>
+            </a:extLst>
+          </a:blip>
+          <a:stretch>
+            <a:fillRect/>
+          </a:stretch>
+        </p:blipFill>
+        <p:spPr>
+          <a:xfrm>
+            <a:off x="9499348" y="4675695"/>
+            <a:ext cx="2404598" cy="1819373"/>
+          </a:xfrm>
+          <a:prstGeom prst="rect">
+            <a:avLst/>
+          </a:prstGeom>
+        </p:spPr>
+      </p:pic>
+      <p:sp>
+        <p:nvSpPr>
+          <p:cNvPr id="2" name="Title 1"/>
+          <p:cNvSpPr>
+            <a:spLocks noGrp="1"/>
+          </p:cNvSpPr>
+          <p:nvPr>
+            <p:ph type="title"/>
+          </p:nvPr>
+        </p:nvSpPr>
+        <p:spPr/>
+        <p:txBody>
+          <a:bodyPr/>
+          <a:lstStyle/>
+          <a:p>
+            <a:r>
+              <a:rPr lang="en-US" dirty="0" smtClean="0"/>
+              <a:t>GET in action</a:t>
+            </a:r>
+            <a:endParaRPr lang="en-US" dirty="0"/>
+          </a:p>
+        </p:txBody>
+      </p:sp>
+      <p:pic>
+        <p:nvPicPr>
+          <p:cNvPr id="4" name="Picture 3"/>
+          <p:cNvPicPr>
+            <a:picLocks noChangeAspect="1"/>
+          </p:cNvPicPr>
+          <p:nvPr/>
+        </p:nvPicPr>
+        <p:blipFill>
+          <a:blip r:embed="rId3">
+            <a:extLst>
+              <a:ext uri="{28A0092B-C50C-407E-A947-70E740481C1C}">
+                <a14:useLocalDpi xmlns:a14="http://schemas.microsoft.com/office/drawing/2010/main" val="0"/>
+              </a:ext>
+            </a:extLst>
+          </a:blip>
+          <a:stretch>
+            <a:fillRect/>
+          </a:stretch>
+        </p:blipFill>
+        <p:spPr>
+          <a:xfrm flipH="1">
+            <a:off x="379514" y="2553610"/>
+            <a:ext cx="2618210" cy="2204570"/>
+          </a:xfrm>
+          <a:prstGeom prst="rect">
+            <a:avLst/>
+          </a:prstGeom>
+        </p:spPr>
+      </p:pic>
+      <p:pic>
+        <p:nvPicPr>
+          <p:cNvPr id="5" name="Picture 4"/>
+          <p:cNvPicPr>
+            <a:picLocks noChangeAspect="1"/>
+          </p:cNvPicPr>
+          <p:nvPr/>
+        </p:nvPicPr>
+        <p:blipFill>
+          <a:blip r:embed="rId4">
+            <a:extLst>
+              <a:ext uri="{28A0092B-C50C-407E-A947-70E740481C1C}">
+                <a14:useLocalDpi xmlns:a14="http://schemas.microsoft.com/office/drawing/2010/main" val="0"/>
+              </a:ext>
+            </a:extLst>
+          </a:blip>
+          <a:stretch>
+            <a:fillRect/>
+          </a:stretch>
+        </p:blipFill>
+        <p:spPr>
+          <a:xfrm>
+            <a:off x="8671434" y="2141618"/>
+            <a:ext cx="3028557" cy="3028557"/>
+          </a:xfrm>
+          <a:prstGeom prst="rect">
+            <a:avLst/>
+          </a:prstGeom>
+        </p:spPr>
+      </p:pic>
+      <p:sp>
+        <p:nvSpPr>
+          <p:cNvPr id="6" name="Right Arrow 5"/>
+          <p:cNvSpPr/>
+          <p:nvPr/>
+        </p:nvSpPr>
+        <p:spPr>
+          <a:xfrm>
+            <a:off x="2997724" y="2778489"/>
+            <a:ext cx="5144481" cy="987395"/>
+          </a:xfrm>
+          <a:prstGeom prst="rightArrow">
+            <a:avLst/>
+          </a:prstGeom>
+        </p:spPr>
+        <p:style>
+          <a:lnRef idx="1">
+            <a:schemeClr val="accent5"/>
+          </a:lnRef>
+          <a:fillRef idx="2">
+            <a:schemeClr val="accent5"/>
+          </a:fillRef>
+          <a:effectRef idx="1">
+            <a:schemeClr val="accent5"/>
+          </a:effectRef>
+          <a:fontRef idx="minor">
+            <a:schemeClr val="dk1"/>
+          </a:fontRef>
+        </p:style>
+        <p:txBody>
+          <a:bodyPr rtlCol="0" anchor="ctr"/>
+          <a:lstStyle/>
+          <a:p>
+            <a:pPr algn="ctr"/>
+            <a:r>
+              <a:rPr lang="en-US" dirty="0" smtClean="0"/>
+              <a:t>www.adventure-works.com/SleepingKoala</a:t>
+            </a:r>
+            <a:endParaRPr lang="en-US" dirty="0"/>
+          </a:p>
+        </p:txBody>
+      </p:sp>
+      <p:sp>
+        <p:nvSpPr>
+          <p:cNvPr id="7" name="Cloud Callout 6"/>
+          <p:cNvSpPr/>
+          <p:nvPr/>
+        </p:nvSpPr>
+        <p:spPr>
+          <a:xfrm>
+            <a:off x="1291472" y="1470581"/>
+            <a:ext cx="3393650" cy="1083029"/>
+          </a:xfrm>
+          <a:prstGeom prst="cloudCallout">
+            <a:avLst/>
+          </a:prstGeom>
+        </p:spPr>
+        <p:style>
+          <a:lnRef idx="1">
+            <a:schemeClr val="accent5"/>
+          </a:lnRef>
+          <a:fillRef idx="2">
+            <a:schemeClr val="accent5"/>
+          </a:fillRef>
+          <a:effectRef idx="1">
+            <a:schemeClr val="accent5"/>
+          </a:effectRef>
+          <a:fontRef idx="minor">
+            <a:schemeClr val="dk1"/>
+          </a:fontRef>
+        </p:style>
+        <p:txBody>
+          <a:bodyPr rtlCol="0" anchor="ctr"/>
+          <a:lstStyle/>
+          <a:p>
+            <a:pPr algn="ctr"/>
+            <a:r>
+              <a:rPr lang="en-US" dirty="0" smtClean="0"/>
+              <a:t>I'd like to download a picture of a koala</a:t>
+            </a:r>
+            <a:endParaRPr lang="en-US" dirty="0"/>
+          </a:p>
+        </p:txBody>
+      </p:sp>
+      <p:sp>
+        <p:nvSpPr>
+          <p:cNvPr id="9" name="Left Arrow 8"/>
+          <p:cNvSpPr/>
+          <p:nvPr/>
+        </p:nvSpPr>
+        <p:spPr>
+          <a:xfrm>
+            <a:off x="2997724" y="3655895"/>
+            <a:ext cx="5144481" cy="641023"/>
+          </a:xfrm>
+          <a:prstGeom prst="leftArrow">
+            <a:avLst/>
+          </a:prstGeom>
+        </p:spPr>
+        <p:style>
+          <a:lnRef idx="1">
+            <a:schemeClr val="accent4"/>
+          </a:lnRef>
+          <a:fillRef idx="2">
+            <a:schemeClr val="accent4"/>
+          </a:fillRef>
+          <a:effectRef idx="1">
+            <a:schemeClr val="accent4"/>
+          </a:effectRef>
+          <a:fontRef idx="minor">
+            <a:schemeClr val="dk1"/>
+          </a:fontRef>
+        </p:style>
+        <p:txBody>
+          <a:bodyPr rtlCol="0" anchor="ctr"/>
+          <a:lstStyle/>
+          <a:p>
+            <a:pPr algn="ctr"/>
+            <a:r>
+              <a:rPr lang="en-US" dirty="0" smtClean="0"/>
+              <a:t>"Here's the picture!"</a:t>
+            </a:r>
+            <a:endParaRPr lang="en-US" dirty="0"/>
+          </a:p>
+        </p:txBody>
+      </p:sp>
+    </p:spTree>
+    <p:extLst>
+      <p:ext uri="{BB962C8B-B14F-4D97-AF65-F5344CB8AC3E}">
+        <p14:creationId xmlns:p14="http://schemas.microsoft.com/office/powerpoint/2010/main" val="1203572196"/>
+      </p:ext>
+    </p:extLst>
+  </p:cSld>
+  <p:clrMapOvr>
+    <a:masterClrMapping/>
+  </p:clrMapOvr>
+  <p:timing>
+    <p:tnLst>
+      <p:par>
+        <p:cTn id="1" dur="indefinite" restart="never" nodeType="tmRoot">
+          <p:childTnLst>
+            <p:seq concurrent="1" nextAc="seek">
+              <p:cTn id="2" dur="indefinite" nodeType="mainSeq">
+                <p:childTnLst>
+                  <p:par>
+                    <p:cTn id="3" fill="hold">
+                      <p:stCondLst>
+                        <p:cond delay="indefinite"/>
+                      </p:stCondLst>
+                      <p:childTnLst>
+                        <p:par>
+                          <p:cTn id="4" fill="hold">
+                            <p:stCondLst>
+                              <p:cond delay="0"/>
+                            </p:stCondLst>
+                            <p:childTnLst>
+                              <p:par>
+                                <p:cTn id="5" presetID="10" presetClass="entr" presetSubtype="0" fill="hold" grpId="0" nodeType="clickEffect">
+                                  <p:stCondLst>
+                                    <p:cond delay="0"/>
+                                  </p:stCondLst>
+                                  <p:childTnLst>
+                                    <p:set>
+                                      <p:cBhvr>
+                                        <p:cTn id="6" dur="1" fill="hold">
+                                          <p:stCondLst>
+                                            <p:cond delay="0"/>
+                                          </p:stCondLst>
+                                        </p:cTn>
+                                        <p:tgtEl>
+                                          <p:spTgt spid="9"/>
+                                        </p:tgtEl>
+                                        <p:attrNameLst>
+                                          <p:attrName>style.visibility</p:attrName>
+                                        </p:attrNameLst>
+                                      </p:cBhvr>
+                                      <p:to>
+                                        <p:strVal val="visible"/>
+                                      </p:to>
+                                    </p:set>
+                                    <p:animEffect transition="in" filter="fade">
+                                      <p:cBhvr>
+                                        <p:cTn id="7" dur="500"/>
+                                        <p:tgtEl>
+                                          <p:spTgt spid="9"/>
+                                        </p:tgtEl>
+                                      </p:cBhvr>
+                                    </p:animEffect>
+                                  </p:childTnLst>
+                                </p:cTn>
+                              </p:par>
+                              <p:par>
+                                <p:cTn id="8" presetID="42" presetClass="path" presetSubtype="0" accel="50000" decel="50000" fill="hold" nodeType="withEffect">
+                                  <p:stCondLst>
+                                    <p:cond delay="0"/>
+                                  </p:stCondLst>
+                                  <p:childTnLst>
+                                    <p:animMotion origin="layout" path="M -4.375E-6 -1.85185E-6 L -0.71927 0.00741 " pathEditMode="relative" rAng="0" ptsTypes="AA">
+                                      <p:cBhvr>
+                                        <p:cTn id="9" dur="2000" fill="hold"/>
+                                        <p:tgtEl>
+                                          <p:spTgt spid="8"/>
+                                        </p:tgtEl>
+                                        <p:attrNameLst>
+                                          <p:attrName>ppt_x</p:attrName>
+                                          <p:attrName>ppt_y</p:attrName>
+                                        </p:attrNameLst>
+                                      </p:cBhvr>
+                                      <p:rCtr x="-35964" y="370"/>
+                                    </p:animMotion>
+                                  </p:childTnLst>
+                                </p:cTn>
+                              </p:par>
+                            </p:childTnLst>
+                          </p:cTn>
+                        </p:par>
+                      </p:childTnLst>
+                    </p:cTn>
+                  </p:par>
+                </p:childTnLst>
+              </p:cTn>
+              <p:prevCondLst>
+                <p:cond evt="onPrev" delay="0">
+                  <p:tgtEl>
+                    <p:sldTgt/>
+                  </p:tgtEl>
+                </p:cond>
+              </p:prevCondLst>
+              <p:nextCondLst>
+                <p:cond evt="onNext" delay="0">
+                  <p:tgtEl>
+                    <p:sldTgt/>
+                  </p:tgtEl>
+                </p:cond>
+              </p:nextCondLst>
+            </p:seq>
+          </p:childTnLst>
+        </p:cTn>
+      </p:par>
+    </p:tnLst>
+    <p:bldLst>
+      <p:bldP spid="9" grpId="0" animBg="1"/>
+    </p:bldLst>
+  </p:timing>
+</p:sld>
+</file>
+
+<file path=ppt/slides/slide11.xml><?xml version="1.0" encoding="utf-8"?>
 <p:sld xmlns:a="http://schemas.openxmlformats.org/drawingml/2006/main" xmlns:r="http://schemas.openxmlformats.org/officeDocument/2006/relationships" xmlns:p="http://schemas.openxmlformats.org/presentationml/2006/main">
   <p:cSld>
     <p:spTree>
@@ -4429,101 +4808,6 @@
 </p:sld>
 </file>
 
-<file path=ppt/slides/slide11.xml><?xml version="1.0" encoding="utf-8"?>
-<p:sld xmlns:a="http://schemas.openxmlformats.org/drawingml/2006/main" xmlns:r="http://schemas.openxmlformats.org/officeDocument/2006/relationships" xmlns:p="http://schemas.openxmlformats.org/presentationml/2006/main">
-  <p:cSld>
-    <p:spTree>
-      <p:nvGrpSpPr>
-        <p:cNvPr id="1" name=""/>
-        <p:cNvGrpSpPr/>
-        <p:nvPr/>
-      </p:nvGrpSpPr>
-      <p:grpSpPr>
-        <a:xfrm>
-          <a:off x="0" y="0"/>
-          <a:ext cx="0" cy="0"/>
-          <a:chOff x="0" y="0"/>
-          <a:chExt cx="0" cy="0"/>
-        </a:xfrm>
-      </p:grpSpPr>
-      <p:sp>
-        <p:nvSpPr>
-          <p:cNvPr id="2" name="Title 1"/>
-          <p:cNvSpPr>
-            <a:spLocks noGrp="1"/>
-          </p:cNvSpPr>
-          <p:nvPr>
-            <p:ph type="title"/>
-          </p:nvPr>
-        </p:nvSpPr>
-        <p:spPr/>
-        <p:txBody>
-          <a:bodyPr/>
-          <a:lstStyle/>
-          <a:p>
-            <a:r>
-              <a:rPr lang="en-US" dirty="0" smtClean="0"/>
-              <a:t>Routing concepts</a:t>
-            </a:r>
-            <a:endParaRPr lang="en-US" dirty="0"/>
-          </a:p>
-        </p:txBody>
-      </p:sp>
-      <p:sp>
-        <p:nvSpPr>
-          <p:cNvPr id="3" name="Content Placeholder 2"/>
-          <p:cNvSpPr>
-            <a:spLocks noGrp="1"/>
-          </p:cNvSpPr>
-          <p:nvPr>
-            <p:ph sz="quarter" idx="10"/>
-          </p:nvPr>
-        </p:nvSpPr>
-        <p:spPr/>
-        <p:txBody>
-          <a:bodyPr/>
-          <a:lstStyle/>
-          <a:p>
-            <a:r>
-              <a:rPr lang="en-US" dirty="0" smtClean="0"/>
-              <a:t>What is routing?</a:t>
-            </a:r>
-          </a:p>
-          <a:p>
-            <a:r>
-              <a:rPr lang="en-US" dirty="0" smtClean="0"/>
-              <a:t>Routing and Flask</a:t>
-            </a:r>
-          </a:p>
-          <a:p>
-            <a:r>
-              <a:rPr lang="en-US" dirty="0" smtClean="0"/>
-              <a:t>"Vanity URLs"</a:t>
-            </a:r>
-            <a:endParaRPr lang="en-US" dirty="0"/>
-          </a:p>
-        </p:txBody>
-      </p:sp>
-    </p:spTree>
-    <p:extLst>
-      <p:ext uri="{BB962C8B-B14F-4D97-AF65-F5344CB8AC3E}">
-        <p14:creationId xmlns:p14="http://schemas.microsoft.com/office/powerpoint/2010/main" val="676362830"/>
-      </p:ext>
-    </p:extLst>
-  </p:cSld>
-  <p:clrMapOvr>
-    <a:masterClrMapping/>
-  </p:clrMapOvr>
-  <p:timing>
-    <p:tnLst>
-      <p:par>
-        <p:cTn id="1" dur="indefinite" restart="never" nodeType="tmRoot"/>
-      </p:par>
-    </p:tnLst>
-  </p:timing>
-</p:sld>
-</file>
-
 <file path=ppt/slides/slide12.xml><?xml version="1.0" encoding="utf-8"?>
 <p:sld xmlns:a="http://schemas.openxmlformats.org/drawingml/2006/main" xmlns:r="http://schemas.openxmlformats.org/officeDocument/2006/relationships" xmlns:p="http://schemas.openxmlformats.org/presentationml/2006/main">
   <p:cSld>
@@ -4543,12 +4827,12 @@
       </p:grpSpPr>
       <p:sp>
         <p:nvSpPr>
-          <p:cNvPr id="2" name="Title 1"/>
+          <p:cNvPr id="5" name="Text Placeholder 4"/>
           <p:cNvSpPr>
             <a:spLocks noGrp="1"/>
           </p:cNvSpPr>
           <p:nvPr>
-            <p:ph type="title"/>
+            <p:ph type="body" sz="quarter" idx="10"/>
           </p:nvPr>
         </p:nvSpPr>
         <p:spPr/>
@@ -4557,12 +4841,8 @@
           <a:lstStyle/>
           <a:p>
             <a:r>
-              <a:rPr lang="en-US" dirty="0"/>
-              <a:t>What is routing</a:t>
-            </a:r>
-            <a:r>
-              <a:rPr lang="en-US" dirty="0" smtClean="0"/>
-              <a:t>?</a:t>
+              <a:rPr lang="en-US" dirty="0" smtClean="0"/>
+              <a:t>Routing concepts</a:t>
             </a:r>
             <a:endParaRPr lang="en-US" dirty="0"/>
           </a:p>
@@ -4570,12 +4850,12 @@
       </p:sp>
       <p:sp>
         <p:nvSpPr>
-          <p:cNvPr id="3" name="Content Placeholder 2"/>
+          <p:cNvPr id="4" name="Subtitle 3"/>
           <p:cNvSpPr>
             <a:spLocks noGrp="1"/>
           </p:cNvSpPr>
           <p:nvPr>
-            <p:ph sz="quarter" idx="10"/>
+            <p:ph type="subTitle" idx="1"/>
           </p:nvPr>
         </p:nvSpPr>
         <p:spPr/>
@@ -4583,47 +4863,20 @@
           <a:bodyPr/>
           <a:lstStyle/>
           <a:p>
-            <a:r>
-              <a:rPr lang="en-US" dirty="0" smtClean="0"/>
-              <a:t>With many web technologies, users request specific pages</a:t>
-            </a:r>
-          </a:p>
-          <a:p>
-            <a:pPr lvl="1"/>
-            <a:r>
-              <a:rPr lang="en-US" dirty="0" smtClean="0"/>
-              <a:t>www.example.com/aboutus.html</a:t>
-            </a:r>
-          </a:p>
-          <a:p>
-            <a:pPr lvl="1"/>
-            <a:r>
-              <a:rPr lang="en-US" dirty="0" smtClean="0">
-                <a:hlinkClick r:id="rId2"/>
-              </a:rPr>
-              <a:t>www.example.com/register.aspx</a:t>
-            </a:r>
-            <a:endParaRPr lang="en-US" dirty="0" smtClean="0"/>
+            <a:endParaRPr lang="en-US"/>
           </a:p>
         </p:txBody>
       </p:sp>
     </p:spTree>
     <p:extLst>
       <p:ext uri="{BB962C8B-B14F-4D97-AF65-F5344CB8AC3E}">
-        <p14:creationId xmlns:p14="http://schemas.microsoft.com/office/powerpoint/2010/main" val="1399722719"/>
+        <p14:creationId xmlns:p14="http://schemas.microsoft.com/office/powerpoint/2010/main" val="76325471"/>
       </p:ext>
     </p:extLst>
   </p:cSld>
   <p:clrMapOvr>
     <a:masterClrMapping/>
   </p:clrMapOvr>
-  <p:timing>
-    <p:tnLst>
-      <p:par>
-        <p:cTn id="1" dur="indefinite" restart="never" nodeType="tmRoot"/>
-      </p:par>
-    </p:tnLst>
-  </p:timing>
 </p:sld>
 </file>
 
@@ -4661,7 +4914,7 @@
           <a:p>
             <a:r>
               <a:rPr lang="en-US" dirty="0" smtClean="0"/>
-              <a:t>What is routing?</a:t>
+              <a:t>Routing concepts</a:t>
             </a:r>
             <a:endParaRPr lang="en-US" dirty="0"/>
           </a:p>
@@ -4683,59 +4936,20 @@
           <a:lstStyle/>
           <a:p>
             <a:r>
-              <a:rPr lang="en-US" dirty="0"/>
-              <a:t>Most modern shy away from </a:t>
-            </a:r>
-            <a:r>
-              <a:rPr lang="en-US" dirty="0" smtClean="0"/>
-              <a:t>calling specific pages</a:t>
-            </a:r>
-            <a:endParaRPr lang="en-US" dirty="0"/>
-          </a:p>
-          <a:p>
-            <a:pPr lvl="1"/>
-            <a:r>
-              <a:rPr lang="en-US" dirty="0"/>
-              <a:t>Request functionality instead</a:t>
-            </a:r>
-          </a:p>
-          <a:p>
-            <a:pPr lvl="2"/>
-            <a:r>
-              <a:rPr lang="en-US" dirty="0"/>
-              <a:t>www.example.com/register</a:t>
-            </a:r>
-          </a:p>
-          <a:p>
-            <a:pPr lvl="2"/>
-            <a:r>
-              <a:rPr lang="en-US" dirty="0"/>
-              <a:t>www.example.com/about</a:t>
-            </a:r>
-          </a:p>
-          <a:p>
-            <a:pPr lvl="1"/>
-            <a:r>
-              <a:rPr lang="en-US" dirty="0"/>
-              <a:t>Advantages</a:t>
-            </a:r>
-          </a:p>
-          <a:p>
-            <a:pPr lvl="2"/>
-            <a:r>
-              <a:rPr lang="en-US" dirty="0"/>
-              <a:t>Increased flexibility</a:t>
-            </a:r>
-          </a:p>
-          <a:p>
-            <a:pPr lvl="2"/>
-            <a:r>
-              <a:rPr lang="en-US" dirty="0"/>
-              <a:t>Readable or "vanity" </a:t>
-            </a:r>
-            <a:r>
-              <a:rPr lang="en-US" dirty="0" smtClean="0"/>
-              <a:t>URLs</a:t>
+              <a:rPr lang="en-US" dirty="0" smtClean="0"/>
+              <a:t>What is routing?</a:t>
+            </a:r>
+          </a:p>
+          <a:p>
+            <a:r>
+              <a:rPr lang="en-US" dirty="0" smtClean="0"/>
+              <a:t>Routing and Flask</a:t>
+            </a:r>
+          </a:p>
+          <a:p>
+            <a:r>
+              <a:rPr lang="en-US" dirty="0" smtClean="0"/>
+              <a:t>"Vanity URLs"</a:t>
             </a:r>
             <a:endParaRPr lang="en-US" dirty="0"/>
           </a:p>
@@ -4744,7 +4958,7 @@
     </p:spTree>
     <p:extLst>
       <p:ext uri="{BB962C8B-B14F-4D97-AF65-F5344CB8AC3E}">
-        <p14:creationId xmlns:p14="http://schemas.microsoft.com/office/powerpoint/2010/main" val="2568799981"/>
+        <p14:creationId xmlns:p14="http://schemas.microsoft.com/office/powerpoint/2010/main" val="676362830"/>
       </p:ext>
     </p:extLst>
   </p:cSld>
@@ -4794,8 +5008,12 @@
           <a:lstStyle/>
           <a:p>
             <a:r>
-              <a:rPr lang="en-US" dirty="0" smtClean="0"/>
-              <a:t>What is routing?</a:t>
+              <a:rPr lang="en-US" dirty="0"/>
+              <a:t>What is routing</a:t>
+            </a:r>
+            <a:r>
+              <a:rPr lang="en-US" dirty="0" smtClean="0"/>
+              <a:t>?</a:t>
             </a:r>
             <a:endParaRPr lang="en-US" dirty="0"/>
           </a:p>
@@ -4818,29 +5036,32 @@
           <a:p>
             <a:r>
               <a:rPr lang="en-US" dirty="0" smtClean="0"/>
-              <a:t>The server needs to understand what the user is requesting</a:t>
-            </a:r>
-          </a:p>
-          <a:p>
-            <a:r>
-              <a:rPr lang="en-US" dirty="0" smtClean="0"/>
-              <a:t>This is routing</a:t>
+              <a:t>With many web technologies, users request specific pages</a:t>
             </a:r>
           </a:p>
           <a:p>
             <a:pPr lvl="1"/>
             <a:r>
               <a:rPr lang="en-US" dirty="0" smtClean="0"/>
-              <a:t>Translating a URL to desired item or function</a:t>
-            </a:r>
-            <a:endParaRPr lang="en-US" dirty="0"/>
+              <a:t>www.example.com/aboutus.html</a:t>
+            </a:r>
+          </a:p>
+          <a:p>
+            <a:pPr lvl="1"/>
+            <a:r>
+              <a:rPr lang="en-US" dirty="0" smtClean="0">
+                <a:hlinkClick r:id="rId2"/>
+              </a:rPr>
+              <a:t>www.example.com/register.aspx</a:t>
+            </a:r>
+            <a:endParaRPr lang="en-US" dirty="0" smtClean="0"/>
           </a:p>
         </p:txBody>
       </p:sp>
     </p:spTree>
     <p:extLst>
       <p:ext uri="{BB962C8B-B14F-4D97-AF65-F5344CB8AC3E}">
-        <p14:creationId xmlns:p14="http://schemas.microsoft.com/office/powerpoint/2010/main" val="737958291"/>
+        <p14:creationId xmlns:p14="http://schemas.microsoft.com/office/powerpoint/2010/main" val="1399722719"/>
       </p:ext>
     </p:extLst>
   </p:cSld>
@@ -4876,7 +5097,7 @@
       </p:grpSpPr>
       <p:sp>
         <p:nvSpPr>
-          <p:cNvPr id="4" name="Title 3"/>
+          <p:cNvPr id="2" name="Title 1"/>
           <p:cNvSpPr>
             <a:spLocks noGrp="1"/>
           </p:cNvSpPr>
@@ -4891,7 +5112,81 @@
           <a:p>
             <a:r>
               <a:rPr lang="en-US" dirty="0" smtClean="0"/>
-              <a:t>Routing 101</a:t>
+              <a:t>What is routing?</a:t>
+            </a:r>
+            <a:endParaRPr lang="en-US" dirty="0"/>
+          </a:p>
+        </p:txBody>
+      </p:sp>
+      <p:sp>
+        <p:nvSpPr>
+          <p:cNvPr id="3" name="Content Placeholder 2"/>
+          <p:cNvSpPr>
+            <a:spLocks noGrp="1"/>
+          </p:cNvSpPr>
+          <p:nvPr>
+            <p:ph sz="quarter" idx="10"/>
+          </p:nvPr>
+        </p:nvSpPr>
+        <p:spPr/>
+        <p:txBody>
+          <a:bodyPr/>
+          <a:lstStyle/>
+          <a:p>
+            <a:r>
+              <a:rPr lang="en-US" dirty="0"/>
+              <a:t>Most modern shy away from </a:t>
+            </a:r>
+            <a:r>
+              <a:rPr lang="en-US" dirty="0" smtClean="0"/>
+              <a:t>calling specific pages</a:t>
+            </a:r>
+            <a:endParaRPr lang="en-US" dirty="0"/>
+          </a:p>
+          <a:p>
+            <a:pPr lvl="1"/>
+            <a:r>
+              <a:rPr lang="en-US" dirty="0"/>
+              <a:t>Request functionality instead</a:t>
+            </a:r>
+          </a:p>
+          <a:p>
+            <a:pPr lvl="2"/>
+            <a:r>
+              <a:rPr lang="en-US" dirty="0"/>
+              <a:t>www.example.com/register</a:t>
+            </a:r>
+          </a:p>
+          <a:p>
+            <a:pPr lvl="2"/>
+            <a:r>
+              <a:rPr lang="en-US" dirty="0"/>
+              <a:t>www.example.com/about</a:t>
+            </a:r>
+          </a:p>
+          <a:p>
+            <a:pPr lvl="1"/>
+            <a:r>
+              <a:rPr lang="en-US" dirty="0"/>
+              <a:t>Advantages</a:t>
+            </a:r>
+          </a:p>
+          <a:p>
+            <a:pPr lvl="2"/>
+            <a:r>
+              <a:rPr lang="en-US" dirty="0"/>
+              <a:t>Increased flexibility</a:t>
+            </a:r>
+          </a:p>
+          <a:p>
+            <a:pPr lvl="2"/>
+            <a:r>
+              <a:rPr lang="en-US" dirty="0"/>
+              <a:t>Readable or "vanity" </a:t>
+            </a:r>
+            <a:r>
+              <a:rPr lang="en-US" dirty="0" smtClean="0"/>
+              <a:t>URLs</a:t>
             </a:r>
             <a:endParaRPr lang="en-US" dirty="0"/>
           </a:p>
@@ -4900,7 +5195,7 @@
     </p:spTree>
     <p:extLst>
       <p:ext uri="{BB962C8B-B14F-4D97-AF65-F5344CB8AC3E}">
-        <p14:creationId xmlns:p14="http://schemas.microsoft.com/office/powerpoint/2010/main" val="3559287336"/>
+        <p14:creationId xmlns:p14="http://schemas.microsoft.com/office/powerpoint/2010/main" val="2568799981"/>
       </p:ext>
     </p:extLst>
   </p:cSld>
@@ -4936,7 +5231,7 @@
       </p:grpSpPr>
       <p:sp>
         <p:nvSpPr>
-          <p:cNvPr id="3" name="Title 2"/>
+          <p:cNvPr id="2" name="Title 1"/>
           <p:cNvSpPr>
             <a:spLocks noGrp="1"/>
           </p:cNvSpPr>
@@ -4951,7 +5246,7 @@
           <a:p>
             <a:r>
               <a:rPr lang="en-US" dirty="0" smtClean="0"/>
-              <a:t>Vanity URLs</a:t>
+              <a:t>What is routing?</a:t>
             </a:r>
             <a:endParaRPr lang="en-US" dirty="0"/>
           </a:p>
@@ -4959,7 +5254,7 @@
       </p:sp>
       <p:sp>
         <p:nvSpPr>
-          <p:cNvPr id="4" name="Content Placeholder 3"/>
+          <p:cNvPr id="3" name="Content Placeholder 2"/>
           <p:cNvSpPr>
             <a:spLocks noGrp="1"/>
           </p:cNvSpPr>
@@ -4974,34 +5269,20 @@
           <a:p>
             <a:r>
               <a:rPr lang="en-US" dirty="0" smtClean="0"/>
-              <a:t>Your name in lights!</a:t>
+              <a:t>The server needs to understand what the user is requesting</a:t>
+            </a:r>
+          </a:p>
+          <a:p>
+            <a:r>
+              <a:rPr lang="en-US" dirty="0" smtClean="0"/>
+              <a:t>This is routing</a:t>
             </a:r>
           </a:p>
           <a:p>
             <a:pPr lvl="1"/>
             <a:r>
               <a:rPr lang="en-US" dirty="0" smtClean="0"/>
-              <a:t>www.example.com/speakers/SusanIbach</a:t>
-            </a:r>
-          </a:p>
-          <a:p>
-            <a:r>
-              <a:rPr lang="en-US" dirty="0" smtClean="0"/>
-              <a:t>Why is this important?</a:t>
-            </a:r>
-          </a:p>
-          <a:p>
-            <a:pPr lvl="1"/>
-            <a:r>
-              <a:rPr lang="en-US" dirty="0" smtClean="0"/>
-              <a:t>Search engine optimization</a:t>
-            </a:r>
-          </a:p>
-          <a:p>
-            <a:pPr lvl="1"/>
-            <a:r>
-              <a:rPr lang="en-US" dirty="0" smtClean="0"/>
-              <a:t>Predictable URLs</a:t>
+              <a:t>Translating a URL to desired item or function</a:t>
             </a:r>
             <a:endParaRPr lang="en-US" dirty="0"/>
           </a:p>
@@ -5010,7 +5291,7 @@
     </p:spTree>
     <p:extLst>
       <p:ext uri="{BB962C8B-B14F-4D97-AF65-F5344CB8AC3E}">
-        <p14:creationId xmlns:p14="http://schemas.microsoft.com/office/powerpoint/2010/main" val="1791477348"/>
+        <p14:creationId xmlns:p14="http://schemas.microsoft.com/office/powerpoint/2010/main" val="737958291"/>
       </p:ext>
     </p:extLst>
   </p:cSld>
@@ -5061,7 +5342,7 @@
           <a:p>
             <a:r>
               <a:rPr lang="en-US" dirty="0" smtClean="0"/>
-              <a:t>Vanity URLs</a:t>
+              <a:t>Routing 101</a:t>
             </a:r>
             <a:endParaRPr lang="en-US" dirty="0"/>
           </a:p>
@@ -5070,7 +5351,7 @@
     </p:spTree>
     <p:extLst>
       <p:ext uri="{BB962C8B-B14F-4D97-AF65-F5344CB8AC3E}">
-        <p14:creationId xmlns:p14="http://schemas.microsoft.com/office/powerpoint/2010/main" val="3486865962"/>
+        <p14:creationId xmlns:p14="http://schemas.microsoft.com/office/powerpoint/2010/main" val="3559287336"/>
       </p:ext>
     </p:extLst>
   </p:cSld>
@@ -5121,7 +5402,7 @@
           <a:p>
             <a:r>
               <a:rPr lang="en-US" dirty="0" smtClean="0"/>
-              <a:t>Adding functionality</a:t>
+              <a:t>Vanity URLs</a:t>
             </a:r>
             <a:endParaRPr lang="en-US" dirty="0"/>
           </a:p>
@@ -5144,7 +5425,34 @@
           <a:p>
             <a:r>
               <a:rPr lang="en-US" dirty="0" smtClean="0"/>
-              <a:t>Creating links</a:t>
+              <a:t>Your name in lights!</a:t>
+            </a:r>
+          </a:p>
+          <a:p>
+            <a:pPr lvl="1"/>
+            <a:r>
+              <a:rPr lang="en-US" dirty="0" smtClean="0"/>
+              <a:t>www.example.com/speakers/SusanIbach</a:t>
+            </a:r>
+          </a:p>
+          <a:p>
+            <a:r>
+              <a:rPr lang="en-US" dirty="0" smtClean="0"/>
+              <a:t>Why is this important?</a:t>
+            </a:r>
+          </a:p>
+          <a:p>
+            <a:pPr lvl="1"/>
+            <a:r>
+              <a:rPr lang="en-US" dirty="0" smtClean="0"/>
+              <a:t>Search engine optimization</a:t>
+            </a:r>
+          </a:p>
+          <a:p>
+            <a:pPr lvl="1"/>
+            <a:r>
+              <a:rPr lang="en-US" dirty="0" smtClean="0"/>
+              <a:t>Predictable URLs</a:t>
             </a:r>
             <a:endParaRPr lang="en-US" dirty="0"/>
           </a:p>
@@ -5153,7 +5461,7 @@
     </p:spTree>
     <p:extLst>
       <p:ext uri="{BB962C8B-B14F-4D97-AF65-F5344CB8AC3E}">
-        <p14:creationId xmlns:p14="http://schemas.microsoft.com/office/powerpoint/2010/main" val="169006751"/>
+        <p14:creationId xmlns:p14="http://schemas.microsoft.com/office/powerpoint/2010/main" val="1791477348"/>
       </p:ext>
     </p:extLst>
   </p:cSld>
@@ -5171,6 +5479,235 @@
 </file>
 
 <file path=ppt/slides/slide19.xml><?xml version="1.0" encoding="utf-8"?>
+<p:sld xmlns:a="http://schemas.openxmlformats.org/drawingml/2006/main" xmlns:r="http://schemas.openxmlformats.org/officeDocument/2006/relationships" xmlns:p="http://schemas.openxmlformats.org/presentationml/2006/main">
+  <p:cSld>
+    <p:spTree>
+      <p:nvGrpSpPr>
+        <p:cNvPr id="1" name=""/>
+        <p:cNvGrpSpPr/>
+        <p:nvPr/>
+      </p:nvGrpSpPr>
+      <p:grpSpPr>
+        <a:xfrm>
+          <a:off x="0" y="0"/>
+          <a:ext cx="0" cy="0"/>
+          <a:chOff x="0" y="0"/>
+          <a:chExt cx="0" cy="0"/>
+        </a:xfrm>
+      </p:grpSpPr>
+      <p:sp>
+        <p:nvSpPr>
+          <p:cNvPr id="4" name="Title 3"/>
+          <p:cNvSpPr>
+            <a:spLocks noGrp="1"/>
+          </p:cNvSpPr>
+          <p:nvPr>
+            <p:ph type="title"/>
+          </p:nvPr>
+        </p:nvSpPr>
+        <p:spPr/>
+        <p:txBody>
+          <a:bodyPr/>
+          <a:lstStyle/>
+          <a:p>
+            <a:r>
+              <a:rPr lang="en-US" dirty="0" smtClean="0"/>
+              <a:t>Vanity URLs</a:t>
+            </a:r>
+            <a:endParaRPr lang="en-US" dirty="0"/>
+          </a:p>
+        </p:txBody>
+      </p:sp>
+    </p:spTree>
+    <p:extLst>
+      <p:ext uri="{BB962C8B-B14F-4D97-AF65-F5344CB8AC3E}">
+        <p14:creationId xmlns:p14="http://schemas.microsoft.com/office/powerpoint/2010/main" val="3486865962"/>
+      </p:ext>
+    </p:extLst>
+  </p:cSld>
+  <p:clrMapOvr>
+    <a:masterClrMapping/>
+  </p:clrMapOvr>
+  <p:timing>
+    <p:tnLst>
+      <p:par>
+        <p:cTn id="1" dur="indefinite" restart="never" nodeType="tmRoot"/>
+      </p:par>
+    </p:tnLst>
+  </p:timing>
+</p:sld>
+</file>
+
+<file path=ppt/slides/slide2.xml><?xml version="1.0" encoding="utf-8"?>
+<p:sld xmlns:a="http://schemas.openxmlformats.org/drawingml/2006/main" xmlns:r="http://schemas.openxmlformats.org/officeDocument/2006/relationships" xmlns:p="http://schemas.openxmlformats.org/presentationml/2006/main">
+  <p:cSld>
+    <p:spTree>
+      <p:nvGrpSpPr>
+        <p:cNvPr id="1" name=""/>
+        <p:cNvGrpSpPr/>
+        <p:nvPr/>
+      </p:nvGrpSpPr>
+      <p:grpSpPr>
+        <a:xfrm>
+          <a:off x="0" y="0"/>
+          <a:ext cx="0" cy="0"/>
+          <a:chOff x="0" y="0"/>
+          <a:chExt cx="0" cy="0"/>
+        </a:xfrm>
+      </p:grpSpPr>
+      <p:sp>
+        <p:nvSpPr>
+          <p:cNvPr id="5" name="Text Placeholder 4"/>
+          <p:cNvSpPr>
+            <a:spLocks noGrp="1"/>
+          </p:cNvSpPr>
+          <p:nvPr>
+            <p:ph type="body" sz="quarter" idx="10"/>
+          </p:nvPr>
+        </p:nvSpPr>
+        <p:spPr>
+          <a:solidFill>
+            <a:srgbClr val="007233"/>
+          </a:solidFill>
+          <a:ln>
+            <a:noFill/>
+          </a:ln>
+        </p:spPr>
+        <p:txBody>
+          <a:bodyPr/>
+          <a:lstStyle/>
+          <a:p>
+            <a:pPr marL="914400" indent="-914400"/>
+            <a:r>
+              <a:rPr lang="en-US" dirty="0" smtClean="0"/>
+              <a:t>02 | Creating web pages using Flask</a:t>
+            </a:r>
+            <a:endParaRPr lang="en-US" dirty="0"/>
+          </a:p>
+        </p:txBody>
+      </p:sp>
+      <p:sp>
+        <p:nvSpPr>
+          <p:cNvPr id="4" name="Subtitle 3"/>
+          <p:cNvSpPr>
+            <a:spLocks noGrp="1"/>
+          </p:cNvSpPr>
+          <p:nvPr>
+            <p:ph type="subTitle" idx="1"/>
+          </p:nvPr>
+        </p:nvSpPr>
+        <p:spPr/>
+        <p:txBody>
+          <a:bodyPr/>
+          <a:lstStyle/>
+          <a:p>
+            <a:r>
+              <a:rPr lang="en-US" dirty="0" smtClean="0"/>
+              <a:t>Susan Ibach | Developer Evangelist</a:t>
+            </a:r>
+          </a:p>
+          <a:p>
+            <a:r>
+              <a:rPr lang="en-US" dirty="0" smtClean="0"/>
+              <a:t>Christopher Harrison | Content Developer</a:t>
+            </a:r>
+            <a:endParaRPr lang="en-US" dirty="0"/>
+          </a:p>
+        </p:txBody>
+      </p:sp>
+    </p:spTree>
+    <p:extLst>
+      <p:ext uri="{BB962C8B-B14F-4D97-AF65-F5344CB8AC3E}">
+        <p14:creationId xmlns:p14="http://schemas.microsoft.com/office/powerpoint/2010/main" val="897692544"/>
+      </p:ext>
+    </p:extLst>
+  </p:cSld>
+  <p:clrMapOvr>
+    <a:masterClrMapping/>
+  </p:clrMapOvr>
+  <p:timing>
+    <p:tnLst>
+      <p:par>
+        <p:cTn id="1" dur="indefinite" restart="never" nodeType="tmRoot"/>
+      </p:par>
+    </p:tnLst>
+  </p:timing>
+</p:sld>
+</file>
+
+<file path=ppt/slides/slide20.xml><?xml version="1.0" encoding="utf-8"?>
+<p:sld xmlns:a="http://schemas.openxmlformats.org/drawingml/2006/main" xmlns:r="http://schemas.openxmlformats.org/officeDocument/2006/relationships" xmlns:p="http://schemas.openxmlformats.org/presentationml/2006/main">
+  <p:cSld>
+    <p:spTree>
+      <p:nvGrpSpPr>
+        <p:cNvPr id="1" name=""/>
+        <p:cNvGrpSpPr/>
+        <p:nvPr/>
+      </p:nvGrpSpPr>
+      <p:grpSpPr>
+        <a:xfrm>
+          <a:off x="0" y="0"/>
+          <a:ext cx="0" cy="0"/>
+          <a:chOff x="0" y="0"/>
+          <a:chExt cx="0" cy="0"/>
+        </a:xfrm>
+      </p:grpSpPr>
+      <p:sp>
+        <p:nvSpPr>
+          <p:cNvPr id="4" name="Text Placeholder 3"/>
+          <p:cNvSpPr>
+            <a:spLocks noGrp="1"/>
+          </p:cNvSpPr>
+          <p:nvPr>
+            <p:ph type="body" sz="quarter" idx="10"/>
+          </p:nvPr>
+        </p:nvSpPr>
+        <p:spPr/>
+        <p:txBody>
+          <a:bodyPr/>
+          <a:lstStyle/>
+          <a:p>
+            <a:r>
+              <a:rPr lang="en-US" dirty="0" smtClean="0"/>
+              <a:t>Creating links</a:t>
+            </a:r>
+            <a:endParaRPr lang="en-US" dirty="0"/>
+          </a:p>
+        </p:txBody>
+      </p:sp>
+      <p:sp>
+        <p:nvSpPr>
+          <p:cNvPr id="3" name="Subtitle 2"/>
+          <p:cNvSpPr>
+            <a:spLocks noGrp="1"/>
+          </p:cNvSpPr>
+          <p:nvPr>
+            <p:ph type="subTitle" idx="1"/>
+          </p:nvPr>
+        </p:nvSpPr>
+        <p:spPr/>
+        <p:txBody>
+          <a:bodyPr/>
+          <a:lstStyle/>
+          <a:p>
+            <a:endParaRPr lang="en-US"/>
+          </a:p>
+        </p:txBody>
+      </p:sp>
+    </p:spTree>
+    <p:extLst>
+      <p:ext uri="{BB962C8B-B14F-4D97-AF65-F5344CB8AC3E}">
+        <p14:creationId xmlns:p14="http://schemas.microsoft.com/office/powerpoint/2010/main" val="638382029"/>
+      </p:ext>
+    </p:extLst>
+  </p:cSld>
+  <p:clrMapOvr>
+    <a:masterClrMapping/>
+  </p:clrMapOvr>
+</p:sld>
+</file>
+
+<file path=ppt/slides/slide21.xml><?xml version="1.0" encoding="utf-8"?>
 <p:sld xmlns:a="http://schemas.openxmlformats.org/drawingml/2006/main" xmlns:r="http://schemas.openxmlformats.org/officeDocument/2006/relationships" xmlns:p="http://schemas.openxmlformats.org/presentationml/2006/main">
   <p:cSld>
     <p:spTree>
@@ -5523,112 +6060,7 @@
 </p:sld>
 </file>
 
-<file path=ppt/slides/slide2.xml><?xml version="1.0" encoding="utf-8"?>
-<p:sld xmlns:a="http://schemas.openxmlformats.org/drawingml/2006/main" xmlns:r="http://schemas.openxmlformats.org/officeDocument/2006/relationships" xmlns:p="http://schemas.openxmlformats.org/presentationml/2006/main">
-  <p:cSld>
-    <p:spTree>
-      <p:nvGrpSpPr>
-        <p:cNvPr id="1" name=""/>
-        <p:cNvGrpSpPr/>
-        <p:nvPr/>
-      </p:nvGrpSpPr>
-      <p:grpSpPr>
-        <a:xfrm>
-          <a:off x="0" y="0"/>
-          <a:ext cx="0" cy="0"/>
-          <a:chOff x="0" y="0"/>
-          <a:chExt cx="0" cy="0"/>
-        </a:xfrm>
-      </p:grpSpPr>
-      <p:sp>
-        <p:nvSpPr>
-          <p:cNvPr id="5" name="Text Placeholder 4"/>
-          <p:cNvSpPr>
-            <a:spLocks noGrp="1"/>
-          </p:cNvSpPr>
-          <p:nvPr>
-            <p:ph type="body" sz="quarter" idx="10"/>
-          </p:nvPr>
-        </p:nvSpPr>
-        <p:spPr>
-          <a:solidFill>
-            <a:srgbClr val="007233"/>
-          </a:solidFill>
-          <a:ln>
-            <a:noFill/>
-          </a:ln>
-        </p:spPr>
-        <p:txBody>
-          <a:bodyPr/>
-          <a:lstStyle/>
-          <a:p>
-            <a:pPr marL="914400" indent="-914400"/>
-            <a:r>
-              <a:rPr lang="en-US" dirty="0" smtClean="0"/>
-              <a:t>02 </a:t>
-            </a:r>
-            <a:r>
-              <a:rPr lang="en-US" dirty="0" smtClean="0"/>
-              <a:t>| </a:t>
-            </a:r>
-            <a:r>
-              <a:rPr lang="en-US" dirty="0" smtClean="0"/>
-              <a:t>Creating web pages using Flask</a:t>
-            </a:r>
-            <a:endParaRPr lang="en-US" dirty="0"/>
-          </a:p>
-        </p:txBody>
-      </p:sp>
-      <p:sp>
-        <p:nvSpPr>
-          <p:cNvPr id="4" name="Subtitle 3"/>
-          <p:cNvSpPr>
-            <a:spLocks noGrp="1"/>
-          </p:cNvSpPr>
-          <p:nvPr>
-            <p:ph type="subTitle" idx="1"/>
-          </p:nvPr>
-        </p:nvSpPr>
-        <p:spPr/>
-        <p:txBody>
-          <a:bodyPr/>
-          <a:lstStyle/>
-          <a:p>
-            <a:r>
-              <a:rPr lang="en-US" dirty="0" smtClean="0"/>
-              <a:t>Susan Ibach | Developer Evangelist</a:t>
-            </a:r>
-          </a:p>
-          <a:p>
-            <a:r>
-              <a:rPr lang="en-US" dirty="0" smtClean="0"/>
-              <a:t>Christopher Harrison | Content Developer</a:t>
-            </a:r>
-            <a:endParaRPr lang="en-US" dirty="0"/>
-          </a:p>
-        </p:txBody>
-      </p:sp>
-    </p:spTree>
-    <p:extLst>
-      <p:ext uri="{BB962C8B-B14F-4D97-AF65-F5344CB8AC3E}">
-        <p14:creationId xmlns:p14="http://schemas.microsoft.com/office/powerpoint/2010/main" val="897692544"/>
-      </p:ext>
-    </p:extLst>
-  </p:cSld>
-  <p:clrMapOvr>
-    <a:masterClrMapping/>
-  </p:clrMapOvr>
-  <p:timing>
-    <p:tnLst>
-      <p:par>
-        <p:cTn id="1" dur="indefinite" restart="never" nodeType="tmRoot"/>
-      </p:par>
-    </p:tnLst>
-  </p:timing>
-</p:sld>
-</file>
-
-<file path=ppt/slides/slide20.xml><?xml version="1.0" encoding="utf-8"?>
+<file path=ppt/slides/slide22.xml><?xml version="1.0" encoding="utf-8"?>
 <p:sld xmlns:a="http://schemas.openxmlformats.org/drawingml/2006/main" xmlns:r="http://schemas.openxmlformats.org/officeDocument/2006/relationships" xmlns:p="http://schemas.openxmlformats.org/presentationml/2006/main">
   <p:cSld>
     <p:spTree>
@@ -5688,7 +6120,7 @@
 </p:sld>
 </file>
 
-<file path=ppt/slides/slide21.xml><?xml version="1.0" encoding="utf-8"?>
+<file path=ppt/slides/slide23.xml><?xml version="1.0" encoding="utf-8"?>
 <p:sld xmlns:a="http://schemas.openxmlformats.org/drawingml/2006/main" xmlns:r="http://schemas.openxmlformats.org/officeDocument/2006/relationships" xmlns:p="http://schemas.openxmlformats.org/presentationml/2006/main">
   <p:cSld>
     <p:spTree>
@@ -5840,12 +6272,12 @@
       </p:grpSpPr>
       <p:sp>
         <p:nvSpPr>
-          <p:cNvPr id="2" name="Title 1"/>
+          <p:cNvPr id="5" name="Text Placeholder 4"/>
           <p:cNvSpPr>
             <a:spLocks noGrp="1"/>
           </p:cNvSpPr>
           <p:nvPr>
-            <p:ph type="title"/>
+            <p:ph type="body" sz="quarter" idx="10"/>
           </p:nvPr>
         </p:nvSpPr>
         <p:spPr/>
@@ -5863,12 +6295,12 @@
       </p:sp>
       <p:sp>
         <p:nvSpPr>
-          <p:cNvPr id="3" name="Content Placeholder 2"/>
+          <p:cNvPr id="4" name="Subtitle 3"/>
           <p:cNvSpPr>
             <a:spLocks noGrp="1"/>
           </p:cNvSpPr>
           <p:nvPr>
-            <p:ph sz="quarter" idx="10"/>
+            <p:ph type="subTitle" idx="1"/>
           </p:nvPr>
         </p:nvSpPr>
         <p:spPr/>
@@ -5876,48 +6308,20 @@
           <a:bodyPr/>
           <a:lstStyle/>
           <a:p>
-            <a:r>
-              <a:rPr lang="en-US" dirty="0" smtClean="0"/>
-              <a:t>Requests and responses</a:t>
-            </a:r>
-          </a:p>
-          <a:p>
-            <a:r>
-              <a:rPr lang="en-US" dirty="0" smtClean="0"/>
-              <a:t>Request contents</a:t>
-            </a:r>
-          </a:p>
-          <a:p>
-            <a:r>
-              <a:rPr lang="en-US" dirty="0" smtClean="0"/>
-              <a:t>Response contents</a:t>
-            </a:r>
-          </a:p>
-          <a:p>
-            <a:r>
-              <a:rPr lang="en-US" dirty="0" smtClean="0"/>
-              <a:t>Making requests</a:t>
-            </a:r>
+            <a:endParaRPr lang="en-US"/>
           </a:p>
         </p:txBody>
       </p:sp>
     </p:spTree>
     <p:extLst>
       <p:ext uri="{BB962C8B-B14F-4D97-AF65-F5344CB8AC3E}">
-        <p14:creationId xmlns:p14="http://schemas.microsoft.com/office/powerpoint/2010/main" val="934115252"/>
+        <p14:creationId xmlns:p14="http://schemas.microsoft.com/office/powerpoint/2010/main" val="3220607384"/>
       </p:ext>
     </p:extLst>
   </p:cSld>
   <p:clrMapOvr>
     <a:masterClrMapping/>
   </p:clrMapOvr>
-  <p:timing>
-    <p:tnLst>
-      <p:par>
-        <p:cTn id="1" dur="indefinite" restart="never" nodeType="tmRoot"/>
-      </p:par>
-    </p:tnLst>
-  </p:timing>
 </p:sld>
 </file>
 
@@ -5955,7 +6359,7 @@
           <a:p>
             <a:r>
               <a:rPr lang="en-US" dirty="0" smtClean="0"/>
-              <a:t>Requests and responses</a:t>
+              <a:t>Talking to servers</a:t>
             </a:r>
             <a:endParaRPr lang="en-US" dirty="0"/>
           </a:p>
@@ -5978,19 +6382,25 @@
           <a:p>
             <a:r>
               <a:rPr lang="en-US" dirty="0" smtClean="0"/>
-              <a:t>Always from the client's perspective</a:t>
-            </a:r>
-          </a:p>
-          <a:p>
-            <a:r>
-              <a:rPr lang="en-US" dirty="0" smtClean="0"/>
-              <a:t>Request: User asking for information or functionality</a:t>
-            </a:r>
-          </a:p>
-          <a:p>
-            <a:r>
-              <a:rPr lang="en-US" dirty="0" smtClean="0"/>
-              <a:t>Response: Server replying with information or functionality</a:t>
+              <a:t>Requests and responses</a:t>
+            </a:r>
+          </a:p>
+          <a:p>
+            <a:r>
+              <a:rPr lang="en-US" dirty="0" smtClean="0"/>
+              <a:t>Request contents</a:t>
+            </a:r>
+          </a:p>
+          <a:p>
+            <a:r>
+              <a:rPr lang="en-US" dirty="0" smtClean="0"/>
+              <a:t>Response contents</a:t>
+            </a:r>
+          </a:p>
+          <a:p>
+            <a:r>
+              <a:rPr lang="en-US" dirty="0" smtClean="0"/>
+              <a:t>Making requests</a:t>
             </a:r>
           </a:p>
         </p:txBody>
@@ -5998,7 +6408,7 @@
     </p:spTree>
     <p:extLst>
       <p:ext uri="{BB962C8B-B14F-4D97-AF65-F5344CB8AC3E}">
-        <p14:creationId xmlns:p14="http://schemas.microsoft.com/office/powerpoint/2010/main" val="1538836023"/>
+        <p14:creationId xmlns:p14="http://schemas.microsoft.com/office/powerpoint/2010/main" val="934115252"/>
       </p:ext>
     </p:extLst>
   </p:cSld>
@@ -6049,7 +6459,7 @@
           <a:p>
             <a:r>
               <a:rPr lang="en-US" dirty="0" smtClean="0"/>
-              <a:t>Request contents</a:t>
+              <a:t>Requests and responses</a:t>
             </a:r>
             <a:endParaRPr lang="en-US" dirty="0"/>
           </a:p>
@@ -6072,86 +6482,36 @@
           <a:p>
             <a:r>
               <a:rPr lang="en-US" dirty="0" smtClean="0"/>
-              <a:t>URL</a:t>
+              <a:t>Request</a:t>
             </a:r>
           </a:p>
           <a:p>
             <a:pPr lvl="1"/>
             <a:r>
               <a:rPr lang="en-US" dirty="0" smtClean="0"/>
-              <a:t>Includes the query string</a:t>
-            </a:r>
-          </a:p>
-          <a:p>
-            <a:pPr lvl="2"/>
-            <a:r>
-              <a:rPr lang="en-US" dirty="0" smtClean="0"/>
-              <a:t>www.example.com/products?id=42</a:t>
+              <a:t>Information the user sent to the server</a:t>
+            </a:r>
+          </a:p>
+          <a:p>
+            <a:r>
+              <a:rPr lang="en-US" dirty="0" smtClean="0"/>
+              <a:t>Response</a:t>
             </a:r>
           </a:p>
           <a:p>
             <a:pPr lvl="1"/>
             <a:r>
               <a:rPr lang="en-US" dirty="0" smtClean="0"/>
-              <a:t>"</a:t>
-            </a:r>
-            <a:r>
-              <a:rPr lang="en-US" dirty="0" err="1" smtClean="0"/>
-              <a:t>Replayable</a:t>
-            </a:r>
-            <a:r>
-              <a:rPr lang="en-US" dirty="0" smtClean="0"/>
-              <a:t>"</a:t>
-            </a:r>
-          </a:p>
-          <a:p>
-            <a:pPr lvl="2"/>
-            <a:r>
-              <a:rPr lang="en-US" dirty="0" smtClean="0"/>
-              <a:t>Anyone with the URL can access the page</a:t>
-            </a:r>
-          </a:p>
-          <a:p>
-            <a:r>
-              <a:rPr lang="en-US" dirty="0" smtClean="0"/>
-              <a:t>Header information</a:t>
-            </a:r>
-          </a:p>
-          <a:p>
-            <a:pPr lvl="1"/>
-            <a:r>
-              <a:rPr lang="en-US" dirty="0" smtClean="0"/>
-              <a:t>Sent behind the scenes</a:t>
-            </a:r>
-          </a:p>
-          <a:p>
-            <a:pPr lvl="1"/>
-            <a:r>
-              <a:rPr lang="en-US" dirty="0" smtClean="0"/>
-              <a:t>No size or type restriction</a:t>
-            </a:r>
-          </a:p>
-          <a:p>
-            <a:pPr lvl="2"/>
-            <a:r>
-              <a:rPr lang="en-US" dirty="0" smtClean="0"/>
-              <a:t>Forms</a:t>
-            </a:r>
-          </a:p>
-          <a:p>
-            <a:pPr lvl="2"/>
-            <a:r>
-              <a:rPr lang="en-US" dirty="0" smtClean="0"/>
-              <a:t>Files</a:t>
-            </a:r>
-            <a:endParaRPr lang="en-US" dirty="0"/>
+              <a:t>Information the server sends to the user</a:t>
+            </a:r>
+            <a:endParaRPr lang="en-US" dirty="0" smtClean="0"/>
           </a:p>
         </p:txBody>
       </p:sp>
     </p:spTree>
     <p:extLst>
       <p:ext uri="{BB962C8B-B14F-4D97-AF65-F5344CB8AC3E}">
-        <p14:creationId xmlns:p14="http://schemas.microsoft.com/office/powerpoint/2010/main" val="3587781507"/>
+        <p14:creationId xmlns:p14="http://schemas.microsoft.com/office/powerpoint/2010/main" val="1538836023"/>
       </p:ext>
     </p:extLst>
   </p:cSld>
@@ -6202,7 +6562,7 @@
           <a:p>
             <a:r>
               <a:rPr lang="en-US" dirty="0" smtClean="0"/>
-              <a:t>Response contents</a:t>
+              <a:t>Request contents</a:t>
             </a:r>
             <a:endParaRPr lang="en-US" dirty="0"/>
           </a:p>
@@ -6225,6 +6585,48 @@
           <a:p>
             <a:r>
               <a:rPr lang="en-US" dirty="0" smtClean="0"/>
+              <a:t>URL</a:t>
+            </a:r>
+          </a:p>
+          <a:p>
+            <a:pPr lvl="1"/>
+            <a:r>
+              <a:rPr lang="en-US" dirty="0" smtClean="0"/>
+              <a:t>Includes the query string</a:t>
+            </a:r>
+          </a:p>
+          <a:p>
+            <a:pPr lvl="2"/>
+            <a:r>
+              <a:rPr lang="en-US" dirty="0" smtClean="0"/>
+              <a:t>www.example.com/products?id=42</a:t>
+            </a:r>
+          </a:p>
+          <a:p>
+            <a:pPr lvl="1"/>
+            <a:r>
+              <a:rPr lang="en-US" dirty="0" smtClean="0"/>
+              <a:t>"</a:t>
+            </a:r>
+            <a:r>
+              <a:rPr lang="en-US" dirty="0" err="1" smtClean="0"/>
+              <a:t>Replayable</a:t>
+            </a:r>
+            <a:r>
+              <a:rPr lang="en-US" dirty="0" smtClean="0"/>
+              <a:t>"</a:t>
+            </a:r>
+          </a:p>
+          <a:p>
+            <a:pPr lvl="2"/>
+            <a:r>
+              <a:rPr lang="en-US" dirty="0" smtClean="0"/>
+              <a:t>Anyone with the URL can access the page</a:t>
+            </a:r>
+          </a:p>
+          <a:p>
+            <a:r>
+              <a:rPr lang="en-US" dirty="0" smtClean="0"/>
               <a:t>Header information</a:t>
             </a:r>
           </a:p>
@@ -6232,28 +6634,37 @@
             <a:pPr lvl="1"/>
             <a:r>
               <a:rPr lang="en-US" dirty="0" smtClean="0"/>
-              <a:t>Used to indicate status codes, file types and other "behind the scenes" information</a:t>
-            </a:r>
-          </a:p>
-          <a:p>
-            <a:r>
-              <a:rPr lang="en-US" dirty="0" smtClean="0"/>
-              <a:t>Content</a:t>
+              <a:t>Sent behind the scenes</a:t>
             </a:r>
           </a:p>
           <a:p>
             <a:pPr lvl="1"/>
             <a:r>
               <a:rPr lang="en-US" dirty="0" smtClean="0"/>
-              <a:t>Typically HTML, CSS or JavaScript</a:t>
-            </a:r>
+              <a:t>No size or type restriction</a:t>
+            </a:r>
+          </a:p>
+          <a:p>
+            <a:pPr lvl="2"/>
+            <a:r>
+              <a:rPr lang="en-US" dirty="0" smtClean="0"/>
+              <a:t>Forms</a:t>
+            </a:r>
+          </a:p>
+          <a:p>
+            <a:pPr lvl="2"/>
+            <a:r>
+              <a:rPr lang="en-US" dirty="0" smtClean="0"/>
+              <a:t>Files</a:t>
+            </a:r>
+            <a:endParaRPr lang="en-US" dirty="0"/>
           </a:p>
         </p:txBody>
       </p:sp>
     </p:spTree>
     <p:extLst>
       <p:ext uri="{BB962C8B-B14F-4D97-AF65-F5344CB8AC3E}">
-        <p14:creationId xmlns:p14="http://schemas.microsoft.com/office/powerpoint/2010/main" val="32983429"/>
+        <p14:creationId xmlns:p14="http://schemas.microsoft.com/office/powerpoint/2010/main" val="3587781507"/>
       </p:ext>
     </p:extLst>
   </p:cSld>
@@ -6304,7 +6715,7 @@
           <a:p>
             <a:r>
               <a:rPr lang="en-US" dirty="0" smtClean="0"/>
-              <a:t>Making requests</a:t>
+              <a:t>Response contents</a:t>
             </a:r>
             <a:endParaRPr lang="en-US" dirty="0"/>
           </a:p>
@@ -6327,56 +6738,35 @@
           <a:p>
             <a:r>
               <a:rPr lang="en-US" dirty="0" smtClean="0"/>
-              <a:t>Two main "verbs"</a:t>
-            </a:r>
-          </a:p>
-          <a:p>
-            <a:r>
-              <a:rPr lang="en-US" dirty="0" smtClean="0"/>
-              <a:t>GET</a:t>
+              <a:t>Header information</a:t>
             </a:r>
           </a:p>
           <a:p>
             <a:pPr lvl="1"/>
             <a:r>
               <a:rPr lang="en-US" dirty="0" smtClean="0"/>
-              <a:t>Can only send data in URL</a:t>
+              <a:t>Used to indicate status codes, file types and other "behind the scenes" information</a:t>
+            </a:r>
+          </a:p>
+          <a:p>
+            <a:r>
+              <a:rPr lang="en-US" dirty="0" smtClean="0"/>
+              <a:t>Content</a:t>
             </a:r>
           </a:p>
           <a:p>
             <a:pPr lvl="1"/>
             <a:r>
               <a:rPr lang="en-US" dirty="0" smtClean="0"/>
-              <a:t>Typically used to display forms or information</a:t>
-            </a:r>
-          </a:p>
-          <a:p>
-            <a:r>
-              <a:rPr lang="en-US" dirty="0" smtClean="0"/>
-              <a:t>POST</a:t>
-            </a:r>
-          </a:p>
-          <a:p>
-            <a:pPr lvl="1"/>
-            <a:r>
-              <a:rPr lang="en-US" dirty="0" smtClean="0"/>
-              <a:t>Can send data in URL or header</a:t>
-            </a:r>
-          </a:p>
-          <a:p>
-            <a:pPr lvl="1"/>
-            <a:r>
-              <a:rPr lang="en-US" dirty="0" smtClean="0"/>
-              <a:t>Typically used to upload form data</a:t>
-            </a:r>
-            <a:endParaRPr lang="en-US" dirty="0"/>
+              <a:t>Typically HTML, CSS or JavaScript</a:t>
+            </a:r>
           </a:p>
         </p:txBody>
       </p:sp>
     </p:spTree>
     <p:extLst>
       <p:ext uri="{BB962C8B-B14F-4D97-AF65-F5344CB8AC3E}">
-        <p14:creationId xmlns:p14="http://schemas.microsoft.com/office/powerpoint/2010/main" val="4243736588"/>
+        <p14:creationId xmlns:p14="http://schemas.microsoft.com/office/powerpoint/2010/main" val="32983429"/>
       </p:ext>
     </p:extLst>
   </p:cSld>
@@ -6410,36 +6800,6 @@
           <a:chExt cx="0" cy="0"/>
         </a:xfrm>
       </p:grpSpPr>
-      <p:pic>
-        <p:nvPicPr>
-          <p:cNvPr id="8" name="Picture 7"/>
-          <p:cNvPicPr>
-            <a:picLocks noChangeAspect="1"/>
-          </p:cNvPicPr>
-          <p:nvPr/>
-        </p:nvPicPr>
-        <p:blipFill>
-          <a:blip r:embed="rId2" cstate="print">
-            <a:extLst>
-              <a:ext uri="{28A0092B-C50C-407E-A947-70E740481C1C}">
-                <a14:useLocalDpi xmlns:a14="http://schemas.microsoft.com/office/drawing/2010/main" val="0"/>
-              </a:ext>
-            </a:extLst>
-          </a:blip>
-          <a:stretch>
-            <a:fillRect/>
-          </a:stretch>
-        </p:blipFill>
-        <p:spPr>
-          <a:xfrm>
-            <a:off x="9499348" y="4675695"/>
-            <a:ext cx="2404598" cy="1819373"/>
-          </a:xfrm>
-          <a:prstGeom prst="rect">
-            <a:avLst/>
-          </a:prstGeom>
-        </p:spPr>
-      </p:pic>
       <p:sp>
         <p:nvSpPr>
           <p:cNvPr id="2" name="Title 1"/>
@@ -6457,193 +6817,70 @@
           <a:p>
             <a:r>
               <a:rPr lang="en-US" dirty="0" smtClean="0"/>
-              <a:t>GET in action</a:t>
+              <a:t>Making requests</a:t>
             </a:r>
             <a:endParaRPr lang="en-US" dirty="0"/>
           </a:p>
         </p:txBody>
       </p:sp>
-      <p:pic>
-        <p:nvPicPr>
-          <p:cNvPr id="4" name="Picture 3"/>
-          <p:cNvPicPr>
-            <a:picLocks noChangeAspect="1"/>
-          </p:cNvPicPr>
-          <p:nvPr/>
-        </p:nvPicPr>
-        <p:blipFill>
-          <a:blip r:embed="rId3">
-            <a:extLst>
-              <a:ext uri="{28A0092B-C50C-407E-A947-70E740481C1C}">
-                <a14:useLocalDpi xmlns:a14="http://schemas.microsoft.com/office/drawing/2010/main" val="0"/>
-              </a:ext>
-            </a:extLst>
-          </a:blip>
-          <a:stretch>
-            <a:fillRect/>
-          </a:stretch>
-        </p:blipFill>
-        <p:spPr>
-          <a:xfrm flipH="1">
-            <a:off x="379514" y="2553610"/>
-            <a:ext cx="2618210" cy="2204570"/>
-          </a:xfrm>
-          <a:prstGeom prst="rect">
-            <a:avLst/>
-          </a:prstGeom>
-        </p:spPr>
-      </p:pic>
-      <p:pic>
-        <p:nvPicPr>
-          <p:cNvPr id="5" name="Picture 4"/>
-          <p:cNvPicPr>
-            <a:picLocks noChangeAspect="1"/>
-          </p:cNvPicPr>
-          <p:nvPr/>
-        </p:nvPicPr>
-        <p:blipFill>
-          <a:blip r:embed="rId4">
-            <a:extLst>
-              <a:ext uri="{28A0092B-C50C-407E-A947-70E740481C1C}">
-                <a14:useLocalDpi xmlns:a14="http://schemas.microsoft.com/office/drawing/2010/main" val="0"/>
-              </a:ext>
-            </a:extLst>
-          </a:blip>
-          <a:stretch>
-            <a:fillRect/>
-          </a:stretch>
-        </p:blipFill>
-        <p:spPr>
-          <a:xfrm>
-            <a:off x="8671434" y="2141618"/>
-            <a:ext cx="3028557" cy="3028557"/>
-          </a:xfrm>
-          <a:prstGeom prst="rect">
-            <a:avLst/>
-          </a:prstGeom>
-        </p:spPr>
-      </p:pic>
-      <p:sp>
-        <p:nvSpPr>
-          <p:cNvPr id="6" name="Right Arrow 5"/>
-          <p:cNvSpPr/>
-          <p:nvPr/>
-        </p:nvSpPr>
-        <p:spPr>
-          <a:xfrm>
-            <a:off x="2997724" y="2778489"/>
-            <a:ext cx="5144481" cy="987395"/>
-          </a:xfrm>
-          <a:prstGeom prst="rightArrow">
-            <a:avLst/>
-          </a:prstGeom>
-        </p:spPr>
-        <p:style>
-          <a:lnRef idx="1">
-            <a:schemeClr val="accent5"/>
-          </a:lnRef>
-          <a:fillRef idx="2">
-            <a:schemeClr val="accent5"/>
-          </a:fillRef>
-          <a:effectRef idx="1">
-            <a:schemeClr val="accent5"/>
-          </a:effectRef>
-          <a:fontRef idx="minor">
-            <a:schemeClr val="dk1"/>
-          </a:fontRef>
-        </p:style>
-        <p:txBody>
-          <a:bodyPr rtlCol="0" anchor="ctr"/>
+      <p:sp>
+        <p:nvSpPr>
+          <p:cNvPr id="3" name="Content Placeholder 2"/>
+          <p:cNvSpPr>
+            <a:spLocks noGrp="1"/>
+          </p:cNvSpPr>
+          <p:nvPr>
+            <p:ph sz="quarter" idx="10"/>
+          </p:nvPr>
+        </p:nvSpPr>
+        <p:spPr/>
+        <p:txBody>
+          <a:bodyPr/>
           <a:lstStyle/>
           <a:p>
-            <a:pPr algn="ctr"/>
-            <a:r>
-              <a:rPr lang="en-US" dirty="0" smtClean="0"/>
-              <a:t>www.adventure-works.com/SleepingKoala</a:t>
-            </a:r>
-            <a:endParaRPr lang="en-US" dirty="0"/>
-          </a:p>
-        </p:txBody>
-      </p:sp>
-      <p:sp>
-        <p:nvSpPr>
-          <p:cNvPr id="7" name="Cloud Callout 6"/>
-          <p:cNvSpPr/>
-          <p:nvPr/>
-        </p:nvSpPr>
-        <p:spPr>
-          <a:xfrm>
-            <a:off x="1291472" y="1470581"/>
-            <a:ext cx="3393650" cy="1083029"/>
-          </a:xfrm>
-          <a:prstGeom prst="cloudCallout">
-            <a:avLst/>
-          </a:prstGeom>
-        </p:spPr>
-        <p:style>
-          <a:lnRef idx="1">
-            <a:schemeClr val="accent5"/>
-          </a:lnRef>
-          <a:fillRef idx="2">
-            <a:schemeClr val="accent5"/>
-          </a:fillRef>
-          <a:effectRef idx="1">
-            <a:schemeClr val="accent5"/>
-          </a:effectRef>
-          <a:fontRef idx="minor">
-            <a:schemeClr val="dk1"/>
-          </a:fontRef>
-        </p:style>
-        <p:txBody>
-          <a:bodyPr rtlCol="0" anchor="ctr"/>
-          <a:lstStyle/>
-          <a:p>
-            <a:pPr algn="ctr"/>
-            <a:r>
-              <a:rPr lang="en-US" dirty="0" smtClean="0"/>
-              <a:t>I'd like to download a picture of a koala</a:t>
-            </a:r>
-            <a:endParaRPr lang="en-US" dirty="0"/>
-          </a:p>
-        </p:txBody>
-      </p:sp>
-      <p:sp>
-        <p:nvSpPr>
-          <p:cNvPr id="9" name="Left Arrow 8"/>
-          <p:cNvSpPr/>
-          <p:nvPr/>
-        </p:nvSpPr>
-        <p:spPr>
-          <a:xfrm>
-            <a:off x="2997724" y="3655895"/>
-            <a:ext cx="5144481" cy="641023"/>
-          </a:xfrm>
-          <a:prstGeom prst="leftArrow">
-            <a:avLst/>
-          </a:prstGeom>
-        </p:spPr>
-        <p:style>
-          <a:lnRef idx="1">
-            <a:schemeClr val="accent4"/>
-          </a:lnRef>
-          <a:fillRef idx="2">
-            <a:schemeClr val="accent4"/>
-          </a:fillRef>
-          <a:effectRef idx="1">
-            <a:schemeClr val="accent4"/>
-          </a:effectRef>
-          <a:fontRef idx="minor">
-            <a:schemeClr val="dk1"/>
-          </a:fontRef>
-        </p:style>
-        <p:txBody>
-          <a:bodyPr rtlCol="0" anchor="ctr"/>
-          <a:lstStyle/>
-          <a:p>
-            <a:pPr algn="ctr"/>
-            <a:r>
-              <a:rPr lang="en-US" dirty="0" smtClean="0"/>
-              <a:t>"Here's the picture!"</a:t>
+            <a:r>
+              <a:rPr lang="en-US" dirty="0" smtClean="0"/>
+              <a:t>Two main "verbs"</a:t>
+            </a:r>
+          </a:p>
+          <a:p>
+            <a:r>
+              <a:rPr lang="en-US" dirty="0" smtClean="0"/>
+              <a:t>GET</a:t>
+            </a:r>
+          </a:p>
+          <a:p>
+            <a:pPr lvl="1"/>
+            <a:r>
+              <a:rPr lang="en-US" dirty="0" smtClean="0"/>
+              <a:t>Can only send data in URL</a:t>
+            </a:r>
+          </a:p>
+          <a:p>
+            <a:pPr lvl="1"/>
+            <a:r>
+              <a:rPr lang="en-US" dirty="0" smtClean="0"/>
+              <a:t>Typically used to display forms or information</a:t>
+            </a:r>
+          </a:p>
+          <a:p>
+            <a:r>
+              <a:rPr lang="en-US" dirty="0" smtClean="0"/>
+              <a:t>POST</a:t>
+            </a:r>
+          </a:p>
+          <a:p>
+            <a:pPr lvl="1"/>
+            <a:r>
+              <a:rPr lang="en-US" dirty="0" smtClean="0"/>
+              <a:t>Can send data in URL or header</a:t>
+            </a:r>
+          </a:p>
+          <a:p>
+            <a:pPr lvl="1"/>
+            <a:r>
+              <a:rPr lang="en-US" dirty="0" smtClean="0"/>
+              <a:t>Typically used to upload form data</a:t>
             </a:r>
             <a:endParaRPr lang="en-US" dirty="0"/>
           </a:p>
@@ -6652,7 +6889,7 @@
     </p:spTree>
     <p:extLst>
       <p:ext uri="{BB962C8B-B14F-4D97-AF65-F5344CB8AC3E}">
-        <p14:creationId xmlns:p14="http://schemas.microsoft.com/office/powerpoint/2010/main" val="1203572196"/>
+        <p14:creationId xmlns:p14="http://schemas.microsoft.com/office/powerpoint/2010/main" val="4243736588"/>
       </p:ext>
     </p:extLst>
   </p:cSld>
@@ -6662,110 +6899,9 @@
   <p:timing>
     <p:tnLst>
       <p:par>
-        <p:cTn id="1" dur="indefinite" restart="never" nodeType="tmRoot">
-          <p:childTnLst>
-            <p:seq concurrent="1" nextAc="seek">
-              <p:cTn id="2" dur="indefinite" nodeType="mainSeq">
-                <p:childTnLst>
-                  <p:par>
-                    <p:cTn id="3" fill="hold">
-                      <p:stCondLst>
-                        <p:cond delay="indefinite"/>
-                      </p:stCondLst>
-                      <p:childTnLst>
-                        <p:par>
-                          <p:cTn id="4" fill="hold">
-                            <p:stCondLst>
-                              <p:cond delay="0"/>
-                            </p:stCondLst>
-                            <p:childTnLst>
-                              <p:par>
-                                <p:cTn id="5" presetID="10" presetClass="entr" presetSubtype="0" fill="hold" grpId="0" nodeType="clickEffect">
-                                  <p:stCondLst>
-                                    <p:cond delay="0"/>
-                                  </p:stCondLst>
-                                  <p:childTnLst>
-                                    <p:set>
-                                      <p:cBhvr>
-                                        <p:cTn id="6" dur="1" fill="hold">
-                                          <p:stCondLst>
-                                            <p:cond delay="0"/>
-                                          </p:stCondLst>
-                                        </p:cTn>
-                                        <p:tgtEl>
-                                          <p:spTgt spid="9"/>
-                                        </p:tgtEl>
-                                        <p:attrNameLst>
-                                          <p:attrName>style.visibility</p:attrName>
-                                        </p:attrNameLst>
-                                      </p:cBhvr>
-                                      <p:to>
-                                        <p:strVal val="visible"/>
-                                      </p:to>
-                                    </p:set>
-                                    <p:animEffect transition="in" filter="fade">
-                                      <p:cBhvr>
-                                        <p:cTn id="7" dur="500"/>
-                                        <p:tgtEl>
-                                          <p:spTgt spid="9"/>
-                                        </p:tgtEl>
-                                      </p:cBhvr>
-                                    </p:animEffect>
-                                  </p:childTnLst>
-                                </p:cTn>
-                              </p:par>
-                              <p:par>
-                                <p:cTn id="8" presetID="42" presetClass="path" presetSubtype="0" accel="50000" decel="50000" fill="hold" nodeType="withEffect">
-                                  <p:stCondLst>
-                                    <p:cond delay="0"/>
-                                  </p:stCondLst>
-                                  <p:childTnLst>
-                                    <p:animMotion origin="layout" path="M -4.375E-6 -1.85185E-6 L -0.71927 0.00741 " pathEditMode="relative" rAng="0" ptsTypes="AA">
-                                      <p:cBhvr>
-                                        <p:cTn id="9" dur="2000" fill="hold"/>
-                                        <p:tgtEl>
-                                          <p:spTgt spid="8"/>
-                                        </p:tgtEl>
-                                        <p:attrNameLst>
-                                          <p:attrName>ppt_x</p:attrName>
-                                          <p:attrName>ppt_y</p:attrName>
-                                        </p:attrNameLst>
-                                      </p:cBhvr>
-                                      <p:rCtr x="-35964" y="370"/>
-                                    </p:animMotion>
-                                  </p:childTnLst>
-                                </p:cTn>
-                              </p:par>
-                            </p:childTnLst>
-                          </p:cTn>
-                        </p:par>
-                      </p:childTnLst>
-                    </p:cTn>
-                  </p:par>
-                </p:childTnLst>
-              </p:cTn>
-              <p:prevCondLst>
-                <p:cond evt="onPrev" delay="0">
-                  <p:tgtEl>
-                    <p:sldTgt/>
-                  </p:tgtEl>
-                </p:cond>
-              </p:prevCondLst>
-              <p:nextCondLst>
-                <p:cond evt="onNext" delay="0">
-                  <p:tgtEl>
-                    <p:sldTgt/>
-                  </p:tgtEl>
-                </p:cond>
-              </p:nextCondLst>
-            </p:seq>
-          </p:childTnLst>
-        </p:cTn>
+        <p:cTn id="1" dur="indefinite" restart="never" nodeType="tmRoot"/>
       </p:par>
     </p:tnLst>
-    <p:bldLst>
-      <p:bldP spid="9" grpId="0" animBg="1"/>
-    </p:bldLst>
   </p:timing>
 </p:sld>
 </file>
@@ -7578,28 +7714,6 @@
 </file>
 
 <file path=customXml/item1.xml><?xml version="1.0" encoding="utf-8"?>
-<?mso-contentType ?>
-<FormTemplates xmlns="http://schemas.microsoft.com/sharepoint/v3/contenttype/forms">
-  <Display>DocumentLibraryForm</Display>
-  <Edit>DocumentLibraryForm</Edit>
-  <New>DocumentLibraryForm</New>
-</FormTemplates>
-</file>
-
-<file path=customXml/item2.xml><?xml version="1.0" encoding="utf-8"?>
-<p:properties xmlns:p="http://schemas.microsoft.com/office/2006/metadata/properties" xmlns:xsi="http://www.w3.org/2001/XMLSchema-instance" xmlns:pc="http://schemas.microsoft.com/office/infopath/2007/PartnerControls">
-  <documentManagement>
-    <TaxCatchAll xmlns="230e9df3-be65-4c73-a93b-d1236ebd677e"/>
-    <PublishingExpirationDate xmlns="http://schemas.microsoft.com/sharepoint/v3" xsi:nil="true"/>
-    <PublishingStartDate xmlns="http://schemas.microsoft.com/sharepoint/v3" xsi:nil="true"/>
-    <TaxKeywordTaxHTField xmlns="230e9df3-be65-4c73-a93b-d1236ebd677e">
-      <Terms xmlns="http://schemas.microsoft.com/office/infopath/2007/PartnerControls"/>
-    </TaxKeywordTaxHTField>
-  </documentManagement>
-</p:properties>
-</file>
-
-<file path=customXml/item3.xml><?xml version="1.0" encoding="utf-8"?>
 <ct:contentTypeSchema xmlns:ct="http://schemas.microsoft.com/office/2006/metadata/contentType" xmlns:ma="http://schemas.microsoft.com/office/2006/metadata/properties/metaAttributes" ct:_="" ma:_="" ma:contentTypeName="Document" ma:contentTypeID="0x010100496889825850D44592AC5D2F43187AE4" ma:contentTypeVersion="5" ma:contentTypeDescription="Create a new document." ma:contentTypeScope="" ma:versionID="fde90edb5a63ba841bca516fd2abaf95">
   <xsd:schema xmlns:xsd="http://www.w3.org/2001/XMLSchema" xmlns:xs="http://www.w3.org/2001/XMLSchema" xmlns:p="http://schemas.microsoft.com/office/2006/metadata/properties" xmlns:ns1="http://schemas.microsoft.com/sharepoint/v3" xmlns:ns2="230e9df3-be65-4c73-a93b-d1236ebd677e" xmlns:ns3="27aa9422-7f1f-4c84-9cdf-302b1a67e513" targetNamespace="http://schemas.microsoft.com/office/2006/metadata/properties" ma:root="true" ma:fieldsID="5e7808ae941cc340dbe51a3031959734" ns1:_="" ns2:_="" ns3:_="">
     <xsd:import namespace="http://schemas.microsoft.com/sharepoint/v3"/>
@@ -7781,10 +7895,44 @@
 </ct:contentTypeSchema>
 </file>
 
+<file path=customXml/item2.xml><?xml version="1.0" encoding="utf-8"?>
+<p:properties xmlns:p="http://schemas.microsoft.com/office/2006/metadata/properties" xmlns:xsi="http://www.w3.org/2001/XMLSchema-instance" xmlns:pc="http://schemas.microsoft.com/office/infopath/2007/PartnerControls">
+  <documentManagement>
+    <TaxCatchAll xmlns="230e9df3-be65-4c73-a93b-d1236ebd677e"/>
+    <PublishingExpirationDate xmlns="http://schemas.microsoft.com/sharepoint/v3" xsi:nil="true"/>
+    <PublishingStartDate xmlns="http://schemas.microsoft.com/sharepoint/v3" xsi:nil="true"/>
+    <TaxKeywordTaxHTField xmlns="230e9df3-be65-4c73-a93b-d1236ebd677e">
+      <Terms xmlns="http://schemas.microsoft.com/office/infopath/2007/PartnerControls"/>
+    </TaxKeywordTaxHTField>
+  </documentManagement>
+</p:properties>
+</file>
+
+<file path=customXml/item3.xml><?xml version="1.0" encoding="utf-8"?>
+<?mso-contentType ?>
+<FormTemplates xmlns="http://schemas.microsoft.com/sharepoint/v3/contenttype/forms">
+  <Display>DocumentLibraryForm</Display>
+  <Edit>DocumentLibraryForm</Edit>
+  <New>DocumentLibraryForm</New>
+</FormTemplates>
+</file>
+
 <file path=customXml/itemProps1.xml><?xml version="1.0" encoding="utf-8"?>
-<ds:datastoreItem xmlns:ds="http://schemas.openxmlformats.org/officeDocument/2006/customXml" ds:itemID="{B0CA13EC-1D3C-4D6F-8D1C-E8A452CFC79A}">
+<ds:datastoreItem xmlns:ds="http://schemas.openxmlformats.org/officeDocument/2006/customXml" ds:itemID="{3253B29C-1CCD-4FE8-A1C4-023A0910DF96}">
   <ds:schemaRefs>
-    <ds:schemaRef ds:uri="http://schemas.microsoft.com/sharepoint/v3/contenttype/forms"/>
+    <ds:schemaRef ds:uri="http://schemas.microsoft.com/office/2006/metadata/contentType"/>
+    <ds:schemaRef ds:uri="http://schemas.microsoft.com/office/2006/metadata/properties/metaAttributes"/>
+    <ds:schemaRef ds:uri="http://www.w3.org/2001/XMLSchema"/>
+    <ds:schemaRef ds:uri="http://schemas.microsoft.com/office/2006/metadata/properties"/>
+    <ds:schemaRef ds:uri="http://schemas.microsoft.com/sharepoint/v3"/>
+    <ds:schemaRef ds:uri="230e9df3-be65-4c73-a93b-d1236ebd677e"/>
+    <ds:schemaRef ds:uri="27aa9422-7f1f-4c84-9cdf-302b1a67e513"/>
+    <ds:schemaRef ds:uri="http://schemas.microsoft.com/office/2006/documentManagement/types"/>
+    <ds:schemaRef ds:uri="http://schemas.microsoft.com/office/infopath/2007/PartnerControls"/>
+    <ds:schemaRef ds:uri="http://schemas.openxmlformats.org/package/2006/metadata/core-properties"/>
+    <ds:schemaRef ds:uri="http://purl.org/dc/elements/1.1/"/>
+    <ds:schemaRef ds:uri="http://purl.org/dc/terms/"/>
+    <ds:schemaRef ds:uri="http://schemas.microsoft.com/internal/obd"/>
   </ds:schemaRefs>
 </ds:datastoreItem>
 </file>
@@ -7808,21 +7956,9 @@
 </file>
 
 <file path=customXml/itemProps3.xml><?xml version="1.0" encoding="utf-8"?>
-<ds:datastoreItem xmlns:ds="http://schemas.openxmlformats.org/officeDocument/2006/customXml" ds:itemID="{3253B29C-1CCD-4FE8-A1C4-023A0910DF96}">
+<ds:datastoreItem xmlns:ds="http://schemas.openxmlformats.org/officeDocument/2006/customXml" ds:itemID="{B0CA13EC-1D3C-4D6F-8D1C-E8A452CFC79A}">
   <ds:schemaRefs>
-    <ds:schemaRef ds:uri="http://schemas.microsoft.com/office/2006/metadata/contentType"/>
-    <ds:schemaRef ds:uri="http://schemas.microsoft.com/office/2006/metadata/properties/metaAttributes"/>
-    <ds:schemaRef ds:uri="http://www.w3.org/2001/XMLSchema"/>
-    <ds:schemaRef ds:uri="http://schemas.microsoft.com/office/2006/metadata/properties"/>
-    <ds:schemaRef ds:uri="http://schemas.microsoft.com/sharepoint/v3"/>
-    <ds:schemaRef ds:uri="230e9df3-be65-4c73-a93b-d1236ebd677e"/>
-    <ds:schemaRef ds:uri="27aa9422-7f1f-4c84-9cdf-302b1a67e513"/>
-    <ds:schemaRef ds:uri="http://schemas.microsoft.com/office/2006/documentManagement/types"/>
-    <ds:schemaRef ds:uri="http://schemas.microsoft.com/office/infopath/2007/PartnerControls"/>
-    <ds:schemaRef ds:uri="http://schemas.openxmlformats.org/package/2006/metadata/core-properties"/>
-    <ds:schemaRef ds:uri="http://purl.org/dc/elements/1.1/"/>
-    <ds:schemaRef ds:uri="http://purl.org/dc/terms/"/>
-    <ds:schemaRef ds:uri="http://schemas.microsoft.com/internal/obd"/>
+    <ds:schemaRef ds:uri="http://schemas.microsoft.com/sharepoint/v3/contenttype/forms"/>
   </ds:schemaRefs>
 </ds:datastoreItem>
 </file>
--- a/Slides/Module 2 - Creating web pages in Flask.pptx
+++ b/Slides/Module 2 - Creating web pages in Flask.pptx
@@ -5,35 +5,38 @@
     <p:sldMasterId id="2147483660" r:id="rId4"/>
   </p:sldMasterIdLst>
   <p:notesMasterIdLst>
-    <p:notesMasterId r:id="rId28"/>
+    <p:notesMasterId r:id="rId31"/>
   </p:notesMasterIdLst>
   <p:handoutMasterIdLst>
-    <p:handoutMasterId r:id="rId29"/>
+    <p:handoutMasterId r:id="rId32"/>
   </p:handoutMasterIdLst>
   <p:sldIdLst>
-    <p:sldId id="271" r:id="rId5"/>
-    <p:sldId id="277" r:id="rId6"/>
+    <p:sldId id="277" r:id="rId5"/>
+    <p:sldId id="307" r:id="rId6"/>
     <p:sldId id="278" r:id="rId7"/>
     <p:sldId id="301" r:id="rId8"/>
     <p:sldId id="283" r:id="rId9"/>
-    <p:sldId id="287" r:id="rId10"/>
-    <p:sldId id="289" r:id="rId11"/>
-    <p:sldId id="288" r:id="rId12"/>
-    <p:sldId id="290" r:id="rId13"/>
-    <p:sldId id="291" r:id="rId14"/>
+    <p:sldId id="304" r:id="rId10"/>
+    <p:sldId id="287" r:id="rId11"/>
+    <p:sldId id="291" r:id="rId12"/>
+    <p:sldId id="289" r:id="rId13"/>
+    <p:sldId id="290" r:id="rId14"/>
     <p:sldId id="292" r:id="rId15"/>
-    <p:sldId id="300" r:id="rId16"/>
-    <p:sldId id="293" r:id="rId17"/>
-    <p:sldId id="284" r:id="rId18"/>
-    <p:sldId id="285" r:id="rId19"/>
-    <p:sldId id="286" r:id="rId20"/>
-    <p:sldId id="294" r:id="rId21"/>
-    <p:sldId id="295" r:id="rId22"/>
-    <p:sldId id="296" r:id="rId23"/>
-    <p:sldId id="302" r:id="rId24"/>
-    <p:sldId id="298" r:id="rId25"/>
-    <p:sldId id="299" r:id="rId26"/>
-    <p:sldId id="269" r:id="rId27"/>
+    <p:sldId id="288" r:id="rId16"/>
+    <p:sldId id="300" r:id="rId17"/>
+    <p:sldId id="293" r:id="rId18"/>
+    <p:sldId id="284" r:id="rId19"/>
+    <p:sldId id="285" r:id="rId20"/>
+    <p:sldId id="286" r:id="rId21"/>
+    <p:sldId id="294" r:id="rId22"/>
+    <p:sldId id="295" r:id="rId23"/>
+    <p:sldId id="296" r:id="rId24"/>
+    <p:sldId id="302" r:id="rId25"/>
+    <p:sldId id="298" r:id="rId26"/>
+    <p:sldId id="299" r:id="rId27"/>
+    <p:sldId id="305" r:id="rId28"/>
+    <p:sldId id="306" r:id="rId29"/>
+    <p:sldId id="269" r:id="rId30"/>
   </p:sldIdLst>
   <p:sldSz cx="12192000" cy="6858000"/>
   <p:notesSz cx="6858000" cy="9144000"/>
@@ -225,7 +228,7 @@
           <a:p>
             <a:fld id="{312E7B4A-039C-48A2-9B2C-AF16AA3873D8}" type="datetimeFigureOut">
               <a:rPr lang="en-US" smtClean="0"/>
-              <a:t>11/17/2014</a:t>
+              <a:t>12/15/2014</a:t>
             </a:fld>
             <a:endParaRPr lang="en-US"/>
           </a:p>
@@ -390,7 +393,7 @@
           <a:p>
             <a:fld id="{DA005A0C-54D9-45AA-87D4-C551D08DFCE1}" type="datetimeFigureOut">
               <a:rPr lang="en-US" smtClean="0"/>
-              <a:t>11/17/2014</a:t>
+              <a:t>12/15/2014</a:t>
             </a:fld>
             <a:endParaRPr lang="en-US"/>
           </a:p>
@@ -738,7 +741,7 @@
     </p:spTree>
     <p:extLst>
       <p:ext uri="{BB962C8B-B14F-4D97-AF65-F5344CB8AC3E}">
-        <p14:creationId xmlns:p14="http://schemas.microsoft.com/office/powerpoint/2010/main" val="180611100"/>
+        <p14:creationId xmlns:p14="http://schemas.microsoft.com/office/powerpoint/2010/main" val="1088711496"/>
       </p:ext>
     </p:extLst>
   </p:cSld>
@@ -749,96 +752,6 @@
 </file>
 
 <file path=ppt/notesSlides/notesSlide2.xml><?xml version="1.0" encoding="utf-8"?>
-<p:notes xmlns:a="http://schemas.openxmlformats.org/drawingml/2006/main" xmlns:r="http://schemas.openxmlformats.org/officeDocument/2006/relationships" xmlns:p="http://schemas.openxmlformats.org/presentationml/2006/main">
-  <p:cSld>
-    <p:spTree>
-      <p:nvGrpSpPr>
-        <p:cNvPr id="1" name=""/>
-        <p:cNvGrpSpPr/>
-        <p:nvPr/>
-      </p:nvGrpSpPr>
-      <p:grpSpPr>
-        <a:xfrm>
-          <a:off x="0" y="0"/>
-          <a:ext cx="0" cy="0"/>
-          <a:chOff x="0" y="0"/>
-          <a:chExt cx="0" cy="0"/>
-        </a:xfrm>
-      </p:grpSpPr>
-      <p:sp>
-        <p:nvSpPr>
-          <p:cNvPr id="2" name="Slide Image Placeholder 1"/>
-          <p:cNvSpPr>
-            <a:spLocks noGrp="1" noRot="1" noChangeAspect="1"/>
-          </p:cNvSpPr>
-          <p:nvPr>
-            <p:ph type="sldImg"/>
-          </p:nvPr>
-        </p:nvSpPr>
-        <p:spPr>
-          <a:xfrm>
-            <a:off x="381000" y="685800"/>
-            <a:ext cx="6096000" cy="3429000"/>
-          </a:xfrm>
-        </p:spPr>
-      </p:sp>
-      <p:sp>
-        <p:nvSpPr>
-          <p:cNvPr id="4" name="Slide Number Placeholder 3"/>
-          <p:cNvSpPr>
-            <a:spLocks noGrp="1"/>
-          </p:cNvSpPr>
-          <p:nvPr>
-            <p:ph type="sldNum" sz="quarter" idx="10"/>
-          </p:nvPr>
-        </p:nvSpPr>
-        <p:spPr/>
-        <p:txBody>
-          <a:bodyPr/>
-          <a:lstStyle/>
-          <a:p>
-            <a:fld id="{13F0F35F-DD44-4607-AEC1-49D7A4BC4066}" type="slidenum">
-              <a:rPr lang="en-US" smtClean="0"/>
-              <a:pPr/>
-              <a:t>2</a:t>
-            </a:fld>
-            <a:endParaRPr lang="en-US" dirty="0"/>
-          </a:p>
-        </p:txBody>
-      </p:sp>
-      <p:sp>
-        <p:nvSpPr>
-          <p:cNvPr id="3" name="Notes Placeholder 2"/>
-          <p:cNvSpPr>
-            <a:spLocks noGrp="1"/>
-          </p:cNvSpPr>
-          <p:nvPr>
-            <p:ph type="body" idx="1"/>
-          </p:nvPr>
-        </p:nvSpPr>
-        <p:spPr/>
-        <p:txBody>
-          <a:bodyPr/>
-          <a:lstStyle/>
-          <a:p>
-            <a:endParaRPr lang="en-US" dirty="0"/>
-          </a:p>
-        </p:txBody>
-      </p:sp>
-    </p:spTree>
-    <p:extLst>
-      <p:ext uri="{BB962C8B-B14F-4D97-AF65-F5344CB8AC3E}">
-        <p14:creationId xmlns:p14="http://schemas.microsoft.com/office/powerpoint/2010/main" val="1088711496"/>
-      </p:ext>
-    </p:extLst>
-  </p:cSld>
-  <p:clrMapOvr>
-    <a:masterClrMapping/>
-  </p:clrMapOvr>
-</p:notes>
-</file>
-
-<file path=ppt/notesSlides/notesSlide3.xml><?xml version="1.0" encoding="utf-8"?>
 <p:notes xmlns:a="http://schemas.openxmlformats.org/drawingml/2006/main" xmlns:r="http://schemas.openxmlformats.org/officeDocument/2006/relationships" xmlns:p="http://schemas.openxmlformats.org/presentationml/2006/main">
   <p:cSld>
     <p:spTree>
@@ -3679,6 +3592,37 @@
       </p:grpSpPr>
       <p:sp>
         <p:nvSpPr>
+          <p:cNvPr id="5" name="Text Placeholder 4"/>
+          <p:cNvSpPr>
+            <a:spLocks noGrp="1"/>
+          </p:cNvSpPr>
+          <p:nvPr>
+            <p:ph type="body" sz="quarter" idx="10"/>
+          </p:nvPr>
+        </p:nvSpPr>
+        <p:spPr>
+          <a:solidFill>
+            <a:srgbClr val="007233"/>
+          </a:solidFill>
+          <a:ln>
+            <a:noFill/>
+          </a:ln>
+        </p:spPr>
+        <p:txBody>
+          <a:bodyPr/>
+          <a:lstStyle/>
+          <a:p>
+            <a:pPr marL="914400" indent="-914400"/>
+            <a:r>
+              <a:rPr lang="en-US" dirty="0" smtClean="0"/>
+              <a:t>02 | Creating web pages using Flask</a:t>
+            </a:r>
+            <a:endParaRPr lang="en-US" dirty="0"/>
+          </a:p>
+        </p:txBody>
+      </p:sp>
+      <p:sp>
+        <p:nvSpPr>
           <p:cNvPr id="4" name="Subtitle 3"/>
           <p:cNvSpPr>
             <a:spLocks noGrp="1"/>
@@ -3693,77 +3637,23 @@
           <a:lstStyle/>
           <a:p>
             <a:r>
-              <a:rPr lang="en-US" dirty="0"/>
-              <a:t>Jeffrey Snover | </a:t>
-            </a:r>
-            <a:r>
-              <a:rPr lang="en-US" dirty="0" smtClean="0"/>
-              <a:t>Distinguished Engineer</a:t>
-            </a:r>
-            <a:r>
-              <a:rPr lang="en-US" dirty="0"/>
-              <a:t> &amp; Lead </a:t>
-            </a:r>
-            <a:r>
-              <a:rPr lang="en-US" dirty="0" smtClean="0"/>
-              <a:t>Architect</a:t>
-            </a:r>
-          </a:p>
-          <a:p>
-            <a:r>
-              <a:rPr lang="en-US" dirty="0"/>
-              <a:t>Jason Helmick | Senior Technologist, Concentrated </a:t>
-            </a:r>
-            <a:r>
-              <a:rPr lang="en-US" dirty="0" smtClean="0"/>
-              <a:t>Technology</a:t>
+              <a:rPr lang="en-US" dirty="0" smtClean="0"/>
+              <a:t>Susan Ibach | Developer Evangelist</a:t>
+            </a:r>
+          </a:p>
+          <a:p>
+            <a:r>
+              <a:rPr lang="en-US" dirty="0" smtClean="0"/>
+              <a:t>Christopher Harrison | Content Developer</a:t>
             </a:r>
             <a:endParaRPr lang="en-US" dirty="0"/>
-          </a:p>
-        </p:txBody>
-      </p:sp>
-      <p:sp>
-        <p:nvSpPr>
-          <p:cNvPr id="2" name="Title 1"/>
-          <p:cNvSpPr>
-            <a:spLocks noGrp="1"/>
-          </p:cNvSpPr>
-          <p:nvPr>
-            <p:ph type="ctrTitle"/>
-          </p:nvPr>
-        </p:nvSpPr>
-        <p:spPr>
-          <a:solidFill>
-            <a:srgbClr val="007233"/>
-          </a:solidFill>
-        </p:spPr>
-        <p:txBody>
-          <a:bodyPr/>
-          <a:lstStyle/>
-          <a:p>
-            <a:r>
-              <a:rPr lang="en-US" sz="4000" dirty="0" smtClean="0"/>
-              <a:t>Getting Started with </a:t>
-            </a:r>
-            <a:r>
-              <a:rPr lang="en-US" sz="4000" smtClean="0"/>
-              <a:t>PowerShell </a:t>
-            </a:r>
-            <a:br>
-              <a:rPr lang="en-US" sz="4000" smtClean="0"/>
-            </a:br>
-            <a:r>
-              <a:rPr lang="en-US" sz="4000" smtClean="0"/>
-              <a:t>Jump Start</a:t>
-            </a:r>
-            <a:endParaRPr lang="en-US" sz="4000" dirty="0"/>
           </a:p>
         </p:txBody>
       </p:sp>
     </p:spTree>
     <p:extLst>
       <p:ext uri="{BB962C8B-B14F-4D97-AF65-F5344CB8AC3E}">
-        <p14:creationId xmlns:p14="http://schemas.microsoft.com/office/powerpoint/2010/main" val="1665733023"/>
+        <p14:creationId xmlns:p14="http://schemas.microsoft.com/office/powerpoint/2010/main" val="897692544"/>
       </p:ext>
     </p:extLst>
   </p:cSld>
@@ -3797,36 +3687,6 @@
           <a:chExt cx="0" cy="0"/>
         </a:xfrm>
       </p:grpSpPr>
-      <p:pic>
-        <p:nvPicPr>
-          <p:cNvPr id="8" name="Picture 7"/>
-          <p:cNvPicPr>
-            <a:picLocks noChangeAspect="1"/>
-          </p:cNvPicPr>
-          <p:nvPr/>
-        </p:nvPicPr>
-        <p:blipFill>
-          <a:blip r:embed="rId2" cstate="print">
-            <a:extLst>
-              <a:ext uri="{28A0092B-C50C-407E-A947-70E740481C1C}">
-                <a14:useLocalDpi xmlns:a14="http://schemas.microsoft.com/office/drawing/2010/main" val="0"/>
-              </a:ext>
-            </a:extLst>
-          </a:blip>
-          <a:stretch>
-            <a:fillRect/>
-          </a:stretch>
-        </p:blipFill>
-        <p:spPr>
-          <a:xfrm>
-            <a:off x="9499348" y="4675695"/>
-            <a:ext cx="2404598" cy="1819373"/>
-          </a:xfrm>
-          <a:prstGeom prst="rect">
-            <a:avLst/>
-          </a:prstGeom>
-        </p:spPr>
-      </p:pic>
       <p:sp>
         <p:nvSpPr>
           <p:cNvPr id="2" name="Title 1"/>
@@ -3844,193 +3704,70 @@
           <a:p>
             <a:r>
               <a:rPr lang="en-US" dirty="0" smtClean="0"/>
-              <a:t>GET in action</a:t>
+              <a:t>Making requests</a:t>
             </a:r>
             <a:endParaRPr lang="en-US" dirty="0"/>
           </a:p>
         </p:txBody>
       </p:sp>
-      <p:pic>
-        <p:nvPicPr>
-          <p:cNvPr id="4" name="Picture 3"/>
-          <p:cNvPicPr>
-            <a:picLocks noChangeAspect="1"/>
-          </p:cNvPicPr>
-          <p:nvPr/>
-        </p:nvPicPr>
-        <p:blipFill>
-          <a:blip r:embed="rId3">
-            <a:extLst>
-              <a:ext uri="{28A0092B-C50C-407E-A947-70E740481C1C}">
-                <a14:useLocalDpi xmlns:a14="http://schemas.microsoft.com/office/drawing/2010/main" val="0"/>
-              </a:ext>
-            </a:extLst>
-          </a:blip>
-          <a:stretch>
-            <a:fillRect/>
-          </a:stretch>
-        </p:blipFill>
-        <p:spPr>
-          <a:xfrm flipH="1">
-            <a:off x="379514" y="2553610"/>
-            <a:ext cx="2618210" cy="2204570"/>
-          </a:xfrm>
-          <a:prstGeom prst="rect">
-            <a:avLst/>
-          </a:prstGeom>
-        </p:spPr>
-      </p:pic>
-      <p:pic>
-        <p:nvPicPr>
-          <p:cNvPr id="5" name="Picture 4"/>
-          <p:cNvPicPr>
-            <a:picLocks noChangeAspect="1"/>
-          </p:cNvPicPr>
-          <p:nvPr/>
-        </p:nvPicPr>
-        <p:blipFill>
-          <a:blip r:embed="rId4">
-            <a:extLst>
-              <a:ext uri="{28A0092B-C50C-407E-A947-70E740481C1C}">
-                <a14:useLocalDpi xmlns:a14="http://schemas.microsoft.com/office/drawing/2010/main" val="0"/>
-              </a:ext>
-            </a:extLst>
-          </a:blip>
-          <a:stretch>
-            <a:fillRect/>
-          </a:stretch>
-        </p:blipFill>
-        <p:spPr>
-          <a:xfrm>
-            <a:off x="8671434" y="2141618"/>
-            <a:ext cx="3028557" cy="3028557"/>
-          </a:xfrm>
-          <a:prstGeom prst="rect">
-            <a:avLst/>
-          </a:prstGeom>
-        </p:spPr>
-      </p:pic>
-      <p:sp>
-        <p:nvSpPr>
-          <p:cNvPr id="6" name="Right Arrow 5"/>
-          <p:cNvSpPr/>
-          <p:nvPr/>
-        </p:nvSpPr>
-        <p:spPr>
-          <a:xfrm>
-            <a:off x="2997724" y="2778489"/>
-            <a:ext cx="5144481" cy="987395"/>
-          </a:xfrm>
-          <a:prstGeom prst="rightArrow">
-            <a:avLst/>
-          </a:prstGeom>
-        </p:spPr>
-        <p:style>
-          <a:lnRef idx="1">
-            <a:schemeClr val="accent5"/>
-          </a:lnRef>
-          <a:fillRef idx="2">
-            <a:schemeClr val="accent5"/>
-          </a:fillRef>
-          <a:effectRef idx="1">
-            <a:schemeClr val="accent5"/>
-          </a:effectRef>
-          <a:fontRef idx="minor">
-            <a:schemeClr val="dk1"/>
-          </a:fontRef>
-        </p:style>
-        <p:txBody>
-          <a:bodyPr rtlCol="0" anchor="ctr"/>
+      <p:sp>
+        <p:nvSpPr>
+          <p:cNvPr id="3" name="Content Placeholder 2"/>
+          <p:cNvSpPr>
+            <a:spLocks noGrp="1"/>
+          </p:cNvSpPr>
+          <p:nvPr>
+            <p:ph sz="quarter" idx="10"/>
+          </p:nvPr>
+        </p:nvSpPr>
+        <p:spPr/>
+        <p:txBody>
+          <a:bodyPr/>
           <a:lstStyle/>
           <a:p>
-            <a:pPr algn="ctr"/>
-            <a:r>
-              <a:rPr lang="en-US" dirty="0" smtClean="0"/>
-              <a:t>www.adventure-works.com/SleepingKoala</a:t>
-            </a:r>
-            <a:endParaRPr lang="en-US" dirty="0"/>
-          </a:p>
-        </p:txBody>
-      </p:sp>
-      <p:sp>
-        <p:nvSpPr>
-          <p:cNvPr id="7" name="Cloud Callout 6"/>
-          <p:cNvSpPr/>
-          <p:nvPr/>
-        </p:nvSpPr>
-        <p:spPr>
-          <a:xfrm>
-            <a:off x="1291472" y="1470581"/>
-            <a:ext cx="3393650" cy="1083029"/>
-          </a:xfrm>
-          <a:prstGeom prst="cloudCallout">
-            <a:avLst/>
-          </a:prstGeom>
-        </p:spPr>
-        <p:style>
-          <a:lnRef idx="1">
-            <a:schemeClr val="accent5"/>
-          </a:lnRef>
-          <a:fillRef idx="2">
-            <a:schemeClr val="accent5"/>
-          </a:fillRef>
-          <a:effectRef idx="1">
-            <a:schemeClr val="accent5"/>
-          </a:effectRef>
-          <a:fontRef idx="minor">
-            <a:schemeClr val="dk1"/>
-          </a:fontRef>
-        </p:style>
-        <p:txBody>
-          <a:bodyPr rtlCol="0" anchor="ctr"/>
-          <a:lstStyle/>
-          <a:p>
-            <a:pPr algn="ctr"/>
-            <a:r>
-              <a:rPr lang="en-US" dirty="0" smtClean="0"/>
-              <a:t>I'd like to download a picture of a koala</a:t>
-            </a:r>
-            <a:endParaRPr lang="en-US" dirty="0"/>
-          </a:p>
-        </p:txBody>
-      </p:sp>
-      <p:sp>
-        <p:nvSpPr>
-          <p:cNvPr id="9" name="Left Arrow 8"/>
-          <p:cNvSpPr/>
-          <p:nvPr/>
-        </p:nvSpPr>
-        <p:spPr>
-          <a:xfrm>
-            <a:off x="2997724" y="3655895"/>
-            <a:ext cx="5144481" cy="641023"/>
-          </a:xfrm>
-          <a:prstGeom prst="leftArrow">
-            <a:avLst/>
-          </a:prstGeom>
-        </p:spPr>
-        <p:style>
-          <a:lnRef idx="1">
-            <a:schemeClr val="accent4"/>
-          </a:lnRef>
-          <a:fillRef idx="2">
-            <a:schemeClr val="accent4"/>
-          </a:fillRef>
-          <a:effectRef idx="1">
-            <a:schemeClr val="accent4"/>
-          </a:effectRef>
-          <a:fontRef idx="minor">
-            <a:schemeClr val="dk1"/>
-          </a:fontRef>
-        </p:style>
-        <p:txBody>
-          <a:bodyPr rtlCol="0" anchor="ctr"/>
-          <a:lstStyle/>
-          <a:p>
-            <a:pPr algn="ctr"/>
-            <a:r>
-              <a:rPr lang="en-US" dirty="0" smtClean="0"/>
-              <a:t>"Here's the picture!"</a:t>
+            <a:r>
+              <a:rPr lang="en-US" dirty="0" smtClean="0"/>
+              <a:t>Two main "verbs"</a:t>
+            </a:r>
+          </a:p>
+          <a:p>
+            <a:r>
+              <a:rPr lang="en-US" dirty="0" smtClean="0"/>
+              <a:t>GET</a:t>
+            </a:r>
+          </a:p>
+          <a:p>
+            <a:pPr lvl="1"/>
+            <a:r>
+              <a:rPr lang="en-US" dirty="0" smtClean="0"/>
+              <a:t>Can only send data in URL</a:t>
+            </a:r>
+          </a:p>
+          <a:p>
+            <a:pPr lvl="1"/>
+            <a:r>
+              <a:rPr lang="en-US" dirty="0" smtClean="0"/>
+              <a:t>Typically used to display forms or information</a:t>
+            </a:r>
+          </a:p>
+          <a:p>
+            <a:r>
+              <a:rPr lang="en-US" dirty="0" smtClean="0"/>
+              <a:t>POST</a:t>
+            </a:r>
+          </a:p>
+          <a:p>
+            <a:pPr lvl="1"/>
+            <a:r>
+              <a:rPr lang="en-US" dirty="0" smtClean="0"/>
+              <a:t>Can send data in URL or header</a:t>
+            </a:r>
+          </a:p>
+          <a:p>
+            <a:pPr lvl="1"/>
+            <a:r>
+              <a:rPr lang="en-US" dirty="0" smtClean="0"/>
+              <a:t>Typically used to upload form data</a:t>
             </a:r>
             <a:endParaRPr lang="en-US" dirty="0"/>
           </a:p>
@@ -4039,7 +3776,7 @@
     </p:spTree>
     <p:extLst>
       <p:ext uri="{BB962C8B-B14F-4D97-AF65-F5344CB8AC3E}">
-        <p14:creationId xmlns:p14="http://schemas.microsoft.com/office/powerpoint/2010/main" val="1203572196"/>
+        <p14:creationId xmlns:p14="http://schemas.microsoft.com/office/powerpoint/2010/main" val="4243736588"/>
       </p:ext>
     </p:extLst>
   </p:cSld>
@@ -4049,110 +3786,9 @@
   <p:timing>
     <p:tnLst>
       <p:par>
-        <p:cTn id="1" dur="indefinite" restart="never" nodeType="tmRoot">
-          <p:childTnLst>
-            <p:seq concurrent="1" nextAc="seek">
-              <p:cTn id="2" dur="indefinite" nodeType="mainSeq">
-                <p:childTnLst>
-                  <p:par>
-                    <p:cTn id="3" fill="hold">
-                      <p:stCondLst>
-                        <p:cond delay="indefinite"/>
-                      </p:stCondLst>
-                      <p:childTnLst>
-                        <p:par>
-                          <p:cTn id="4" fill="hold">
-                            <p:stCondLst>
-                              <p:cond delay="0"/>
-                            </p:stCondLst>
-                            <p:childTnLst>
-                              <p:par>
-                                <p:cTn id="5" presetID="10" presetClass="entr" presetSubtype="0" fill="hold" grpId="0" nodeType="clickEffect">
-                                  <p:stCondLst>
-                                    <p:cond delay="0"/>
-                                  </p:stCondLst>
-                                  <p:childTnLst>
-                                    <p:set>
-                                      <p:cBhvr>
-                                        <p:cTn id="6" dur="1" fill="hold">
-                                          <p:stCondLst>
-                                            <p:cond delay="0"/>
-                                          </p:stCondLst>
-                                        </p:cTn>
-                                        <p:tgtEl>
-                                          <p:spTgt spid="9"/>
-                                        </p:tgtEl>
-                                        <p:attrNameLst>
-                                          <p:attrName>style.visibility</p:attrName>
-                                        </p:attrNameLst>
-                                      </p:cBhvr>
-                                      <p:to>
-                                        <p:strVal val="visible"/>
-                                      </p:to>
-                                    </p:set>
-                                    <p:animEffect transition="in" filter="fade">
-                                      <p:cBhvr>
-                                        <p:cTn id="7" dur="500"/>
-                                        <p:tgtEl>
-                                          <p:spTgt spid="9"/>
-                                        </p:tgtEl>
-                                      </p:cBhvr>
-                                    </p:animEffect>
-                                  </p:childTnLst>
-                                </p:cTn>
-                              </p:par>
-                              <p:par>
-                                <p:cTn id="8" presetID="42" presetClass="path" presetSubtype="0" accel="50000" decel="50000" fill="hold" nodeType="withEffect">
-                                  <p:stCondLst>
-                                    <p:cond delay="0"/>
-                                  </p:stCondLst>
-                                  <p:childTnLst>
-                                    <p:animMotion origin="layout" path="M -4.375E-6 -1.85185E-6 L -0.71927 0.00741 " pathEditMode="relative" rAng="0" ptsTypes="AA">
-                                      <p:cBhvr>
-                                        <p:cTn id="9" dur="2000" fill="hold"/>
-                                        <p:tgtEl>
-                                          <p:spTgt spid="8"/>
-                                        </p:tgtEl>
-                                        <p:attrNameLst>
-                                          <p:attrName>ppt_x</p:attrName>
-                                          <p:attrName>ppt_y</p:attrName>
-                                        </p:attrNameLst>
-                                      </p:cBhvr>
-                                      <p:rCtr x="-35964" y="370"/>
-                                    </p:animMotion>
-                                  </p:childTnLst>
-                                </p:cTn>
-                              </p:par>
-                            </p:childTnLst>
-                          </p:cTn>
-                        </p:par>
-                      </p:childTnLst>
-                    </p:cTn>
-                  </p:par>
-                </p:childTnLst>
-              </p:cTn>
-              <p:prevCondLst>
-                <p:cond evt="onPrev" delay="0">
-                  <p:tgtEl>
-                    <p:sldTgt/>
-                  </p:tgtEl>
-                </p:cond>
-              </p:prevCondLst>
-              <p:nextCondLst>
-                <p:cond evt="onNext" delay="0">
-                  <p:tgtEl>
-                    <p:sldTgt/>
-                  </p:tgtEl>
-                </p:cond>
-              </p:nextCondLst>
-            </p:seq>
-          </p:childTnLst>
-        </p:cTn>
+        <p:cTn id="1" dur="indefinite" restart="never" nodeType="tmRoot"/>
       </p:par>
     </p:tnLst>
-    <p:bldLst>
-      <p:bldP spid="9" grpId="0" animBg="1"/>
-    </p:bldLst>
   </p:timing>
 </p:sld>
 </file>
@@ -4827,12 +4463,12 @@
       </p:grpSpPr>
       <p:sp>
         <p:nvSpPr>
-          <p:cNvPr id="5" name="Text Placeholder 4"/>
+          <p:cNvPr id="2" name="Title 1"/>
           <p:cNvSpPr>
             <a:spLocks noGrp="1"/>
           </p:cNvSpPr>
           <p:nvPr>
-            <p:ph type="body" sz="quarter" idx="10"/>
+            <p:ph type="title"/>
           </p:nvPr>
         </p:nvSpPr>
         <p:spPr/>
@@ -4842,7 +4478,7 @@
           <a:p>
             <a:r>
               <a:rPr lang="en-US" dirty="0" smtClean="0"/>
-              <a:t>Routing concepts</a:t>
+              <a:t>Response contents</a:t>
             </a:r>
             <a:endParaRPr lang="en-US" dirty="0"/>
           </a:p>
@@ -4850,12 +4486,12 @@
       </p:sp>
       <p:sp>
         <p:nvSpPr>
-          <p:cNvPr id="4" name="Subtitle 3"/>
+          <p:cNvPr id="3" name="Content Placeholder 2"/>
           <p:cNvSpPr>
             <a:spLocks noGrp="1"/>
           </p:cNvSpPr>
           <p:nvPr>
-            <p:ph type="subTitle" idx="1"/>
+            <p:ph sz="quarter" idx="10"/>
           </p:nvPr>
         </p:nvSpPr>
         <p:spPr/>
@@ -4863,20 +4499,50 @@
           <a:bodyPr/>
           <a:lstStyle/>
           <a:p>
-            <a:endParaRPr lang="en-US"/>
+            <a:r>
+              <a:rPr lang="en-US" dirty="0" smtClean="0"/>
+              <a:t>Header information</a:t>
+            </a:r>
+          </a:p>
+          <a:p>
+            <a:pPr lvl="1"/>
+            <a:r>
+              <a:rPr lang="en-US" dirty="0" smtClean="0"/>
+              <a:t>Used to indicate status codes, file types and other "behind the scenes" information</a:t>
+            </a:r>
+          </a:p>
+          <a:p>
+            <a:r>
+              <a:rPr lang="en-US" dirty="0" smtClean="0"/>
+              <a:t>Content</a:t>
+            </a:r>
+          </a:p>
+          <a:p>
+            <a:pPr lvl="1"/>
+            <a:r>
+              <a:rPr lang="en-US" dirty="0" smtClean="0"/>
+              <a:t>Typically HTML, CSS or JavaScript</a:t>
+            </a:r>
           </a:p>
         </p:txBody>
       </p:sp>
     </p:spTree>
     <p:extLst>
       <p:ext uri="{BB962C8B-B14F-4D97-AF65-F5344CB8AC3E}">
-        <p14:creationId xmlns:p14="http://schemas.microsoft.com/office/powerpoint/2010/main" val="76325471"/>
+        <p14:creationId xmlns:p14="http://schemas.microsoft.com/office/powerpoint/2010/main" val="32983429"/>
       </p:ext>
     </p:extLst>
   </p:cSld>
   <p:clrMapOvr>
     <a:masterClrMapping/>
   </p:clrMapOvr>
+  <p:timing>
+    <p:tnLst>
+      <p:par>
+        <p:cTn id="1" dur="indefinite" restart="never" nodeType="tmRoot"/>
+      </p:par>
+    </p:tnLst>
+  </p:timing>
 </p:sld>
 </file>
 
@@ -4899,12 +4565,12 @@
       </p:grpSpPr>
       <p:sp>
         <p:nvSpPr>
-          <p:cNvPr id="2" name="Title 1"/>
+          <p:cNvPr id="5" name="Text Placeholder 4"/>
           <p:cNvSpPr>
             <a:spLocks noGrp="1"/>
           </p:cNvSpPr>
           <p:nvPr>
-            <p:ph type="title"/>
+            <p:ph type="body" sz="quarter" idx="10"/>
           </p:nvPr>
         </p:nvSpPr>
         <p:spPr/>
@@ -4922,12 +4588,12 @@
       </p:sp>
       <p:sp>
         <p:nvSpPr>
-          <p:cNvPr id="3" name="Content Placeholder 2"/>
+          <p:cNvPr id="4" name="Subtitle 3"/>
           <p:cNvSpPr>
             <a:spLocks noGrp="1"/>
           </p:cNvSpPr>
           <p:nvPr>
-            <p:ph sz="quarter" idx="10"/>
+            <p:ph type="subTitle" idx="1"/>
           </p:nvPr>
         </p:nvSpPr>
         <p:spPr/>
@@ -4935,30 +4601,14 @@
           <a:bodyPr/>
           <a:lstStyle/>
           <a:p>
-            <a:r>
-              <a:rPr lang="en-US" dirty="0" smtClean="0"/>
-              <a:t>What is routing?</a:t>
-            </a:r>
-          </a:p>
-          <a:p>
-            <a:r>
-              <a:rPr lang="en-US" dirty="0" smtClean="0"/>
-              <a:t>Routing and Flask</a:t>
-            </a:r>
-          </a:p>
-          <a:p>
-            <a:r>
-              <a:rPr lang="en-US" dirty="0" smtClean="0"/>
-              <a:t>"Vanity URLs"</a:t>
-            </a:r>
-            <a:endParaRPr lang="en-US" dirty="0"/>
+            <a:endParaRPr lang="en-US"/>
           </a:p>
         </p:txBody>
       </p:sp>
     </p:spTree>
     <p:extLst>
       <p:ext uri="{BB962C8B-B14F-4D97-AF65-F5344CB8AC3E}">
-        <p14:creationId xmlns:p14="http://schemas.microsoft.com/office/powerpoint/2010/main" val="676362830"/>
+        <p14:creationId xmlns:p14="http://schemas.microsoft.com/office/powerpoint/2010/main" val="76325471"/>
       </p:ext>
     </p:extLst>
   </p:cSld>
@@ -5008,12 +4658,8 @@
           <a:lstStyle/>
           <a:p>
             <a:r>
-              <a:rPr lang="en-US" dirty="0"/>
-              <a:t>What is routing</a:t>
-            </a:r>
-            <a:r>
-              <a:rPr lang="en-US" dirty="0" smtClean="0"/>
-              <a:t>?</a:t>
+              <a:rPr lang="en-US" dirty="0" smtClean="0"/>
+              <a:t>Routing concepts</a:t>
             </a:r>
             <a:endParaRPr lang="en-US" dirty="0"/>
           </a:p>
@@ -5036,32 +4682,28 @@
           <a:p>
             <a:r>
               <a:rPr lang="en-US" dirty="0" smtClean="0"/>
-              <a:t>With many web technologies, users request specific pages</a:t>
-            </a:r>
-          </a:p>
-          <a:p>
-            <a:pPr lvl="1"/>
-            <a:r>
-              <a:rPr lang="en-US" dirty="0" smtClean="0"/>
-              <a:t>www.example.com/aboutus.html</a:t>
-            </a:r>
-          </a:p>
-          <a:p>
-            <a:pPr lvl="1"/>
-            <a:r>
-              <a:rPr lang="en-US" dirty="0" smtClean="0">
-                <a:hlinkClick r:id="rId2"/>
-              </a:rPr>
-              <a:t>www.example.com/register.aspx</a:t>
-            </a:r>
-            <a:endParaRPr lang="en-US" dirty="0" smtClean="0"/>
+              <a:t>What is routing?</a:t>
+            </a:r>
+          </a:p>
+          <a:p>
+            <a:r>
+              <a:rPr lang="en-US" dirty="0" smtClean="0"/>
+              <a:t>Routing and Flask</a:t>
+            </a:r>
+          </a:p>
+          <a:p>
+            <a:r>
+              <a:rPr lang="en-US" dirty="0" smtClean="0"/>
+              <a:t>"Vanity URLs"</a:t>
+            </a:r>
+            <a:endParaRPr lang="en-US" dirty="0"/>
           </a:p>
         </p:txBody>
       </p:sp>
     </p:spTree>
     <p:extLst>
       <p:ext uri="{BB962C8B-B14F-4D97-AF65-F5344CB8AC3E}">
-        <p14:creationId xmlns:p14="http://schemas.microsoft.com/office/powerpoint/2010/main" val="1399722719"/>
+        <p14:creationId xmlns:p14="http://schemas.microsoft.com/office/powerpoint/2010/main" val="676362830"/>
       </p:ext>
     </p:extLst>
   </p:cSld>
@@ -5111,8 +4753,12 @@
           <a:lstStyle/>
           <a:p>
             <a:r>
-              <a:rPr lang="en-US" dirty="0" smtClean="0"/>
-              <a:t>What is routing?</a:t>
+              <a:rPr lang="en-US" dirty="0"/>
+              <a:t>What is routing</a:t>
+            </a:r>
+            <a:r>
+              <a:rPr lang="en-US" dirty="0" smtClean="0"/>
+              <a:t>?</a:t>
             </a:r>
             <a:endParaRPr lang="en-US" dirty="0"/>
           </a:p>
@@ -5134,68 +4780,33 @@
           <a:lstStyle/>
           <a:p>
             <a:r>
-              <a:rPr lang="en-US" dirty="0"/>
-              <a:t>Most modern shy away from </a:t>
-            </a:r>
-            <a:r>
-              <a:rPr lang="en-US" dirty="0" smtClean="0"/>
-              <a:t>calling specific pages</a:t>
-            </a:r>
-            <a:endParaRPr lang="en-US" dirty="0"/>
+              <a:rPr lang="en-US" dirty="0" smtClean="0"/>
+              <a:t>With many web technologies, users request specific pages</a:t>
+            </a:r>
           </a:p>
           <a:p>
             <a:pPr lvl="1"/>
             <a:r>
-              <a:rPr lang="en-US" dirty="0"/>
-              <a:t>Request functionality instead</a:t>
-            </a:r>
-          </a:p>
-          <a:p>
-            <a:pPr lvl="2"/>
-            <a:r>
-              <a:rPr lang="en-US" dirty="0"/>
-              <a:t>www.example.com/register</a:t>
-            </a:r>
-          </a:p>
-          <a:p>
-            <a:pPr lvl="2"/>
-            <a:r>
-              <a:rPr lang="en-US" dirty="0"/>
-              <a:t>www.example.com/about</a:t>
+              <a:rPr lang="en-US" dirty="0" smtClean="0"/>
+              <a:t>www.example.com/aboutus.html</a:t>
             </a:r>
           </a:p>
           <a:p>
             <a:pPr lvl="1"/>
             <a:r>
-              <a:rPr lang="en-US" dirty="0"/>
-              <a:t>Advantages</a:t>
-            </a:r>
-          </a:p>
-          <a:p>
-            <a:pPr lvl="2"/>
-            <a:r>
-              <a:rPr lang="en-US" dirty="0"/>
-              <a:t>Increased flexibility</a:t>
-            </a:r>
-          </a:p>
-          <a:p>
-            <a:pPr lvl="2"/>
-            <a:r>
-              <a:rPr lang="en-US" dirty="0"/>
-              <a:t>Readable or "vanity" </a:t>
-            </a:r>
-            <a:r>
-              <a:rPr lang="en-US" dirty="0" smtClean="0"/>
-              <a:t>URLs</a:t>
-            </a:r>
-            <a:endParaRPr lang="en-US" dirty="0"/>
+              <a:rPr lang="en-US" dirty="0" smtClean="0">
+                <a:hlinkClick r:id="rId2"/>
+              </a:rPr>
+              <a:t>www.example.com/register.aspx</a:t>
+            </a:r>
+            <a:endParaRPr lang="en-US" dirty="0" smtClean="0"/>
           </a:p>
         </p:txBody>
       </p:sp>
     </p:spTree>
     <p:extLst>
       <p:ext uri="{BB962C8B-B14F-4D97-AF65-F5344CB8AC3E}">
-        <p14:creationId xmlns:p14="http://schemas.microsoft.com/office/powerpoint/2010/main" val="2568799981"/>
+        <p14:creationId xmlns:p14="http://schemas.microsoft.com/office/powerpoint/2010/main" val="1399722719"/>
       </p:ext>
     </p:extLst>
   </p:cSld>
@@ -5241,14 +4852,15 @@
         </p:nvSpPr>
         <p:spPr/>
         <p:txBody>
-          <a:bodyPr/>
+          <a:bodyPr>
+            <a:normAutofit fontScale="90000"/>
+          </a:bodyPr>
           <a:lstStyle/>
           <a:p>
             <a:r>
-              <a:rPr lang="en-US" dirty="0" smtClean="0"/>
-              <a:t>What is routing?</a:t>
-            </a:r>
-            <a:endParaRPr lang="en-US" dirty="0"/>
+              <a:rPr lang="en-US" dirty="0"/>
+              <a:t>Most modern applications shy away from calling specific pages</a:t>
+            </a:r>
           </a:p>
         </p:txBody>
       </p:sp>
@@ -5269,20 +4881,56 @@
           <a:p>
             <a:r>
               <a:rPr lang="en-US" dirty="0" smtClean="0"/>
-              <a:t>The server needs to understand what the user is requesting</a:t>
-            </a:r>
-          </a:p>
-          <a:p>
-            <a:r>
-              <a:rPr lang="en-US" dirty="0" smtClean="0"/>
-              <a:t>This is routing</a:t>
+              <a:t>Request </a:t>
+            </a:r>
+            <a:r>
+              <a:rPr lang="en-US" dirty="0"/>
+              <a:t>functionality instead</a:t>
             </a:r>
           </a:p>
           <a:p>
             <a:pPr lvl="1"/>
             <a:r>
-              <a:rPr lang="en-US" dirty="0" smtClean="0"/>
-              <a:t>Translating a URL to desired item or function</a:t>
+              <a:rPr lang="en-US" dirty="0"/>
+              <a:t>www.example.com/register</a:t>
+            </a:r>
+          </a:p>
+          <a:p>
+            <a:pPr lvl="1"/>
+            <a:r>
+              <a:rPr lang="en-US" dirty="0"/>
+              <a:t>www.example.com/about</a:t>
+            </a:r>
+          </a:p>
+          <a:p>
+            <a:r>
+              <a:rPr lang="en-US" dirty="0"/>
+              <a:t>Advantages</a:t>
+            </a:r>
+          </a:p>
+          <a:p>
+            <a:pPr lvl="1"/>
+            <a:r>
+              <a:rPr lang="en-US" dirty="0"/>
+              <a:t>Increased flexibility</a:t>
+            </a:r>
+          </a:p>
+          <a:p>
+            <a:pPr lvl="1"/>
+            <a:r>
+              <a:rPr lang="en-US" dirty="0"/>
+              <a:t>Readable or "vanity" </a:t>
+            </a:r>
+            <a:r>
+              <a:rPr lang="en-US" dirty="0" smtClean="0"/>
+              <a:t>URLs</a:t>
+            </a:r>
+          </a:p>
+          <a:p>
+            <a:pPr lvl="1"/>
+            <a:r>
+              <a:rPr lang="en-US" dirty="0" smtClean="0"/>
+              <a:t>Search engine optimization</a:t>
             </a:r>
             <a:endParaRPr lang="en-US" dirty="0"/>
           </a:p>
@@ -5291,7 +4939,7 @@
     </p:spTree>
     <p:extLst>
       <p:ext uri="{BB962C8B-B14F-4D97-AF65-F5344CB8AC3E}">
-        <p14:creationId xmlns:p14="http://schemas.microsoft.com/office/powerpoint/2010/main" val="737958291"/>
+        <p14:creationId xmlns:p14="http://schemas.microsoft.com/office/powerpoint/2010/main" val="2568799981"/>
       </p:ext>
     </p:extLst>
   </p:cSld>
@@ -5327,7 +4975,7 @@
       </p:grpSpPr>
       <p:sp>
         <p:nvSpPr>
-          <p:cNvPr id="4" name="Title 3"/>
+          <p:cNvPr id="2" name="Title 1"/>
           <p:cNvSpPr>
             <a:spLocks noGrp="1"/>
           </p:cNvSpPr>
@@ -5342,7 +4990,50 @@
           <a:p>
             <a:r>
               <a:rPr lang="en-US" dirty="0" smtClean="0"/>
-              <a:t>Routing 101</a:t>
+              <a:t>What is routing?</a:t>
+            </a:r>
+            <a:endParaRPr lang="en-US" dirty="0"/>
+          </a:p>
+        </p:txBody>
+      </p:sp>
+      <p:sp>
+        <p:nvSpPr>
+          <p:cNvPr id="3" name="Content Placeholder 2"/>
+          <p:cNvSpPr>
+            <a:spLocks noGrp="1"/>
+          </p:cNvSpPr>
+          <p:nvPr>
+            <p:ph sz="quarter" idx="10"/>
+          </p:nvPr>
+        </p:nvSpPr>
+        <p:spPr/>
+        <p:txBody>
+          <a:bodyPr/>
+          <a:lstStyle/>
+          <a:p>
+            <a:r>
+              <a:rPr lang="en-US" dirty="0" smtClean="0"/>
+              <a:t>The server needs to understand what the user is requesting</a:t>
+            </a:r>
+          </a:p>
+          <a:p>
+            <a:pPr lvl="1"/>
+            <a:r>
+              <a:rPr lang="en-US" dirty="0" smtClean="0"/>
+              <a:t>www.example.com/register</a:t>
+            </a:r>
+          </a:p>
+          <a:p>
+            <a:r>
+              <a:rPr lang="en-US" dirty="0" smtClean="0"/>
+              <a:t>This is routing</a:t>
+            </a:r>
+          </a:p>
+          <a:p>
+            <a:pPr lvl="1"/>
+            <a:r>
+              <a:rPr lang="en-US" dirty="0" smtClean="0"/>
+              <a:t>Translating a URL to desired item or function</a:t>
             </a:r>
             <a:endParaRPr lang="en-US" dirty="0"/>
           </a:p>
@@ -5351,7 +5042,7 @@
     </p:spTree>
     <p:extLst>
       <p:ext uri="{BB962C8B-B14F-4D97-AF65-F5344CB8AC3E}">
-        <p14:creationId xmlns:p14="http://schemas.microsoft.com/office/powerpoint/2010/main" val="3559287336"/>
+        <p14:creationId xmlns:p14="http://schemas.microsoft.com/office/powerpoint/2010/main" val="737958291"/>
       </p:ext>
     </p:extLst>
   </p:cSld>
@@ -5387,7 +5078,7 @@
       </p:grpSpPr>
       <p:sp>
         <p:nvSpPr>
-          <p:cNvPr id="3" name="Title 2"/>
+          <p:cNvPr id="4" name="Title 3"/>
           <p:cNvSpPr>
             <a:spLocks noGrp="1"/>
           </p:cNvSpPr>
@@ -5402,57 +5093,7 @@
           <a:p>
             <a:r>
               <a:rPr lang="en-US" dirty="0" smtClean="0"/>
-              <a:t>Vanity URLs</a:t>
-            </a:r>
-            <a:endParaRPr lang="en-US" dirty="0"/>
-          </a:p>
-        </p:txBody>
-      </p:sp>
-      <p:sp>
-        <p:nvSpPr>
-          <p:cNvPr id="4" name="Content Placeholder 3"/>
-          <p:cNvSpPr>
-            <a:spLocks noGrp="1"/>
-          </p:cNvSpPr>
-          <p:nvPr>
-            <p:ph sz="quarter" idx="10"/>
-          </p:nvPr>
-        </p:nvSpPr>
-        <p:spPr/>
-        <p:txBody>
-          <a:bodyPr/>
-          <a:lstStyle/>
-          <a:p>
-            <a:r>
-              <a:rPr lang="en-US" dirty="0" smtClean="0"/>
-              <a:t>Your name in lights!</a:t>
-            </a:r>
-          </a:p>
-          <a:p>
-            <a:pPr lvl="1"/>
-            <a:r>
-              <a:rPr lang="en-US" dirty="0" smtClean="0"/>
-              <a:t>www.example.com/speakers/SusanIbach</a:t>
-            </a:r>
-          </a:p>
-          <a:p>
-            <a:r>
-              <a:rPr lang="en-US" dirty="0" smtClean="0"/>
-              <a:t>Why is this important?</a:t>
-            </a:r>
-          </a:p>
-          <a:p>
-            <a:pPr lvl="1"/>
-            <a:r>
-              <a:rPr lang="en-US" dirty="0" smtClean="0"/>
-              <a:t>Search engine optimization</a:t>
-            </a:r>
-          </a:p>
-          <a:p>
-            <a:pPr lvl="1"/>
-            <a:r>
-              <a:rPr lang="en-US" dirty="0" smtClean="0"/>
-              <a:t>Predictable URLs</a:t>
+              <a:t>Routing 101</a:t>
             </a:r>
             <a:endParaRPr lang="en-US" dirty="0"/>
           </a:p>
@@ -5461,7 +5102,7 @@
     </p:spTree>
     <p:extLst>
       <p:ext uri="{BB962C8B-B14F-4D97-AF65-F5344CB8AC3E}">
-        <p14:creationId xmlns:p14="http://schemas.microsoft.com/office/powerpoint/2010/main" val="1791477348"/>
+        <p14:creationId xmlns:p14="http://schemas.microsoft.com/office/powerpoint/2010/main" val="3559287336"/>
       </p:ext>
     </p:extLst>
   </p:cSld>
@@ -5497,7 +5138,7 @@
       </p:grpSpPr>
       <p:sp>
         <p:nvSpPr>
-          <p:cNvPr id="4" name="Title 3"/>
+          <p:cNvPr id="3" name="Title 2"/>
           <p:cNvSpPr>
             <a:spLocks noGrp="1"/>
           </p:cNvSpPr>
@@ -5518,10 +5159,60 @@
           </a:p>
         </p:txBody>
       </p:sp>
+      <p:sp>
+        <p:nvSpPr>
+          <p:cNvPr id="4" name="Content Placeholder 3"/>
+          <p:cNvSpPr>
+            <a:spLocks noGrp="1"/>
+          </p:cNvSpPr>
+          <p:nvPr>
+            <p:ph sz="quarter" idx="10"/>
+          </p:nvPr>
+        </p:nvSpPr>
+        <p:spPr/>
+        <p:txBody>
+          <a:bodyPr/>
+          <a:lstStyle/>
+          <a:p>
+            <a:r>
+              <a:rPr lang="en-US" dirty="0" smtClean="0"/>
+              <a:t>Your name in lights!</a:t>
+            </a:r>
+          </a:p>
+          <a:p>
+            <a:pPr lvl="1"/>
+            <a:r>
+              <a:rPr lang="en-US" dirty="0" smtClean="0"/>
+              <a:t>www.example.com/speakers/SusanIbach</a:t>
+            </a:r>
+          </a:p>
+          <a:p>
+            <a:r>
+              <a:rPr lang="en-US" dirty="0" smtClean="0"/>
+              <a:t>Why is this important?</a:t>
+            </a:r>
+          </a:p>
+          <a:p>
+            <a:pPr lvl="1"/>
+            <a:r>
+              <a:rPr lang="en-US" dirty="0" smtClean="0"/>
+              <a:t>Search engine optimization</a:t>
+            </a:r>
+          </a:p>
+          <a:p>
+            <a:pPr lvl="1"/>
+            <a:r>
+              <a:rPr lang="en-US" dirty="0" smtClean="0"/>
+              <a:t>Predictable URLs</a:t>
+            </a:r>
+            <a:endParaRPr lang="en-US" dirty="0"/>
+          </a:p>
+        </p:txBody>
+      </p:sp>
     </p:spTree>
     <p:extLst>
       <p:ext uri="{BB962C8B-B14F-4D97-AF65-F5344CB8AC3E}">
-        <p14:creationId xmlns:p14="http://schemas.microsoft.com/office/powerpoint/2010/main" val="3486865962"/>
+        <p14:creationId xmlns:p14="http://schemas.microsoft.com/office/powerpoint/2010/main" val="1791477348"/>
       </p:ext>
     </p:extLst>
   </p:cSld>
@@ -5541,6 +5232,16 @@
 <file path=ppt/slides/slide2.xml><?xml version="1.0" encoding="utf-8"?>
 <p:sld xmlns:a="http://schemas.openxmlformats.org/drawingml/2006/main" xmlns:r="http://schemas.openxmlformats.org/officeDocument/2006/relationships" xmlns:p="http://schemas.openxmlformats.org/presentationml/2006/main">
   <p:cSld>
+    <p:bg>
+      <p:bgPr>
+        <a:solidFill>
+          <a:schemeClr val="accent4">
+            <a:lumMod val="75000"/>
+          </a:schemeClr>
+        </a:solidFill>
+        <a:effectLst/>
+      </p:bgPr>
+    </p:bg>
     <p:spTree>
       <p:nvGrpSpPr>
         <p:cNvPr id="1" name=""/>
@@ -5557,68 +5258,85 @@
       </p:grpSpPr>
       <p:sp>
         <p:nvSpPr>
-          <p:cNvPr id="5" name="Text Placeholder 4"/>
+          <p:cNvPr id="4" name="Title 3"/>
           <p:cNvSpPr>
             <a:spLocks noGrp="1"/>
           </p:cNvSpPr>
           <p:nvPr>
-            <p:ph type="body" sz="quarter" idx="10"/>
+            <p:ph type="title"/>
           </p:nvPr>
         </p:nvSpPr>
         <p:spPr>
-          <a:solidFill>
-            <a:srgbClr val="007233"/>
-          </a:solidFill>
-          <a:ln>
-            <a:noFill/>
-          </a:ln>
+          <a:xfrm>
+            <a:off x="431132" y="1679176"/>
+            <a:ext cx="8388404" cy="1063487"/>
+          </a:xfrm>
         </p:spPr>
         <p:txBody>
-          <a:bodyPr/>
+          <a:bodyPr>
+            <a:noAutofit/>
+          </a:bodyPr>
           <a:lstStyle/>
           <a:p>
-            <a:pPr marL="914400" indent="-914400"/>
-            <a:r>
-              <a:rPr lang="en-US" dirty="0" smtClean="0"/>
-              <a:t>02 | Creating web pages using Flask</a:t>
-            </a:r>
-            <a:endParaRPr lang="en-US" dirty="0"/>
-          </a:p>
-        </p:txBody>
-      </p:sp>
-      <p:sp>
-        <p:nvSpPr>
-          <p:cNvPr id="4" name="Subtitle 3"/>
+            <a:r>
+              <a:rPr lang="en-US" dirty="0" smtClean="0">
+                <a:solidFill>
+                  <a:schemeClr val="bg1"/>
+                </a:solidFill>
+              </a:rPr>
+              <a:t>Now that we know what a web application is...</a:t>
+            </a:r>
+            <a:endParaRPr lang="en-US" dirty="0">
+              <a:solidFill>
+                <a:schemeClr val="bg1"/>
+              </a:solidFill>
+            </a:endParaRPr>
+          </a:p>
+        </p:txBody>
+      </p:sp>
+      <p:sp>
+        <p:nvSpPr>
+          <p:cNvPr id="5" name="Content Placeholder 4"/>
           <p:cNvSpPr>
             <a:spLocks noGrp="1"/>
           </p:cNvSpPr>
           <p:nvPr>
-            <p:ph type="subTitle" idx="1"/>
+            <p:ph sz="quarter" idx="10"/>
           </p:nvPr>
         </p:nvSpPr>
-        <p:spPr/>
+        <p:spPr>
+          <a:xfrm>
+            <a:off x="4383344" y="4124051"/>
+            <a:ext cx="7680837" cy="1775303"/>
+          </a:xfrm>
+        </p:spPr>
         <p:txBody>
           <a:bodyPr/>
           <a:lstStyle/>
           <a:p>
-            <a:r>
-              <a:rPr lang="en-US" dirty="0" smtClean="0"/>
-              <a:t>Susan Ibach | Developer Evangelist</a:t>
-            </a:r>
-          </a:p>
-          <a:p>
-            <a:r>
-              <a:rPr lang="en-US" dirty="0" smtClean="0"/>
-              <a:t>Christopher Harrison | Content Developer</a:t>
-            </a:r>
-            <a:endParaRPr lang="en-US" dirty="0"/>
+            <a:pPr marL="0" indent="0">
+              <a:buNone/>
+            </a:pPr>
+            <a:r>
+              <a:rPr lang="en-US" sz="4000" dirty="0" smtClean="0">
+                <a:solidFill>
+                  <a:schemeClr val="bg1"/>
+                </a:solidFill>
+              </a:rPr>
+              <a:t>…how do we send information to and from the user and server?</a:t>
+            </a:r>
+            <a:endParaRPr lang="en-US" sz="4000" dirty="0">
+              <a:solidFill>
+                <a:schemeClr val="bg1"/>
+              </a:solidFill>
+            </a:endParaRPr>
           </a:p>
         </p:txBody>
       </p:sp>
     </p:spTree>
     <p:extLst>
       <p:ext uri="{BB962C8B-B14F-4D97-AF65-F5344CB8AC3E}">
-        <p14:creationId xmlns:p14="http://schemas.microsoft.com/office/powerpoint/2010/main" val="897692544"/>
+        <p14:creationId xmlns:p14="http://schemas.microsoft.com/office/powerpoint/2010/main" val="2886523839"/>
       </p:ext>
     </p:extLst>
   </p:cSld>
@@ -5628,9 +5346,150 @@
   <p:timing>
     <p:tnLst>
       <p:par>
-        <p:cTn id="1" dur="indefinite" restart="never" nodeType="tmRoot"/>
+        <p:cTn id="1" dur="indefinite" restart="never" nodeType="tmRoot">
+          <p:childTnLst>
+            <p:seq concurrent="1" nextAc="seek">
+              <p:cTn id="2" dur="indefinite" nodeType="mainSeq">
+                <p:childTnLst>
+                  <p:par>
+                    <p:cTn id="3" fill="hold">
+                      <p:stCondLst>
+                        <p:cond delay="indefinite"/>
+                      </p:stCondLst>
+                      <p:childTnLst>
+                        <p:par>
+                          <p:cTn id="4" fill="hold">
+                            <p:stCondLst>
+                              <p:cond delay="0"/>
+                            </p:stCondLst>
+                            <p:childTnLst>
+                              <p:par>
+                                <p:cTn id="5" presetID="10" presetClass="entr" presetSubtype="0" fill="hold" grpId="0" nodeType="clickEffect">
+                                  <p:stCondLst>
+                                    <p:cond delay="0"/>
+                                  </p:stCondLst>
+                                  <p:childTnLst>
+                                    <p:set>
+                                      <p:cBhvr>
+                                        <p:cTn id="6" dur="1" fill="hold">
+                                          <p:stCondLst>
+                                            <p:cond delay="0"/>
+                                          </p:stCondLst>
+                                        </p:cTn>
+                                        <p:tgtEl>
+                                          <p:spTgt spid="4"/>
+                                        </p:tgtEl>
+                                        <p:attrNameLst>
+                                          <p:attrName>style.visibility</p:attrName>
+                                        </p:attrNameLst>
+                                      </p:cBhvr>
+                                      <p:to>
+                                        <p:strVal val="visible"/>
+                                      </p:to>
+                                    </p:set>
+                                    <p:animEffect transition="in" filter="fade">
+                                      <p:cBhvr>
+                                        <p:cTn id="7" dur="500"/>
+                                        <p:tgtEl>
+                                          <p:spTgt spid="4"/>
+                                        </p:tgtEl>
+                                      </p:cBhvr>
+                                    </p:animEffect>
+                                  </p:childTnLst>
+                                </p:cTn>
+                              </p:par>
+                            </p:childTnLst>
+                          </p:cTn>
+                        </p:par>
+                      </p:childTnLst>
+                    </p:cTn>
+                  </p:par>
+                  <p:par>
+                    <p:cTn id="8" fill="hold">
+                      <p:stCondLst>
+                        <p:cond delay="indefinite"/>
+                      </p:stCondLst>
+                      <p:childTnLst>
+                        <p:par>
+                          <p:cTn id="9" fill="hold">
+                            <p:stCondLst>
+                              <p:cond delay="0"/>
+                            </p:stCondLst>
+                            <p:childTnLst>
+                              <p:par>
+                                <p:cTn id="10" presetID="10" presetClass="entr" presetSubtype="0" fill="hold" grpId="0" nodeType="clickEffect">
+                                  <p:stCondLst>
+                                    <p:cond delay="0"/>
+                                  </p:stCondLst>
+                                  <p:childTnLst>
+                                    <p:set>
+                                      <p:cBhvr>
+                                        <p:cTn id="11" dur="1" fill="hold">
+                                          <p:stCondLst>
+                                            <p:cond delay="0"/>
+                                          </p:stCondLst>
+                                        </p:cTn>
+                                        <p:tgtEl>
+                                          <p:spTgt spid="5">
+                                            <p:txEl>
+                                              <p:pRg st="0" end="0"/>
+                                            </p:txEl>
+                                          </p:spTgt>
+                                        </p:tgtEl>
+                                        <p:attrNameLst>
+                                          <p:attrName>style.visibility</p:attrName>
+                                        </p:attrNameLst>
+                                      </p:cBhvr>
+                                      <p:to>
+                                        <p:strVal val="visible"/>
+                                      </p:to>
+                                    </p:set>
+                                    <p:animEffect transition="in" filter="fade">
+                                      <p:cBhvr>
+                                        <p:cTn id="12" dur="500"/>
+                                        <p:tgtEl>
+                                          <p:spTgt spid="5">
+                                            <p:txEl>
+                                              <p:pRg st="0" end="0"/>
+                                            </p:txEl>
+                                          </p:spTgt>
+                                        </p:tgtEl>
+                                      </p:cBhvr>
+                                    </p:animEffect>
+                                  </p:childTnLst>
+                                </p:cTn>
+                              </p:par>
+                            </p:childTnLst>
+                          </p:cTn>
+                        </p:par>
+                      </p:childTnLst>
+                    </p:cTn>
+                  </p:par>
+                </p:childTnLst>
+              </p:cTn>
+              <p:prevCondLst>
+                <p:cond evt="onPrev" delay="0">
+                  <p:tgtEl>
+                    <p:sldTgt/>
+                  </p:tgtEl>
+                </p:cond>
+              </p:prevCondLst>
+              <p:nextCondLst>
+                <p:cond evt="onNext" delay="0">
+                  <p:tgtEl>
+                    <p:sldTgt/>
+                  </p:tgtEl>
+                </p:cond>
+              </p:nextCondLst>
+            </p:seq>
+          </p:childTnLst>
+        </p:cTn>
       </p:par>
     </p:tnLst>
+    <p:bldLst>
+      <p:bldP spid="4" grpId="0"/>
+      <p:bldP spid="5" grpId="0" build="p"/>
+    </p:bldLst>
   </p:timing>
 </p:sld>
 </file>
@@ -5654,6 +5513,66 @@
       </p:grpSpPr>
       <p:sp>
         <p:nvSpPr>
+          <p:cNvPr id="4" name="Title 3"/>
+          <p:cNvSpPr>
+            <a:spLocks noGrp="1"/>
+          </p:cNvSpPr>
+          <p:nvPr>
+            <p:ph type="title"/>
+          </p:nvPr>
+        </p:nvSpPr>
+        <p:spPr/>
+        <p:txBody>
+          <a:bodyPr/>
+          <a:lstStyle/>
+          <a:p>
+            <a:r>
+              <a:rPr lang="en-US" dirty="0" smtClean="0"/>
+              <a:t>Vanity URLs</a:t>
+            </a:r>
+            <a:endParaRPr lang="en-US" dirty="0"/>
+          </a:p>
+        </p:txBody>
+      </p:sp>
+    </p:spTree>
+    <p:extLst>
+      <p:ext uri="{BB962C8B-B14F-4D97-AF65-F5344CB8AC3E}">
+        <p14:creationId xmlns:p14="http://schemas.microsoft.com/office/powerpoint/2010/main" val="3486865962"/>
+      </p:ext>
+    </p:extLst>
+  </p:cSld>
+  <p:clrMapOvr>
+    <a:masterClrMapping/>
+  </p:clrMapOvr>
+  <p:timing>
+    <p:tnLst>
+      <p:par>
+        <p:cTn id="1" dur="indefinite" restart="never" nodeType="tmRoot"/>
+      </p:par>
+    </p:tnLst>
+  </p:timing>
+</p:sld>
+</file>
+
+<file path=ppt/slides/slide21.xml><?xml version="1.0" encoding="utf-8"?>
+<p:sld xmlns:a="http://schemas.openxmlformats.org/drawingml/2006/main" xmlns:r="http://schemas.openxmlformats.org/officeDocument/2006/relationships" xmlns:p="http://schemas.openxmlformats.org/presentationml/2006/main">
+  <p:cSld>
+    <p:spTree>
+      <p:nvGrpSpPr>
+        <p:cNvPr id="1" name=""/>
+        <p:cNvGrpSpPr/>
+        <p:nvPr/>
+      </p:nvGrpSpPr>
+      <p:grpSpPr>
+        <a:xfrm>
+          <a:off x="0" y="0"/>
+          <a:ext cx="0" cy="0"/>
+          <a:chOff x="0" y="0"/>
+          <a:chExt cx="0" cy="0"/>
+        </a:xfrm>
+      </p:grpSpPr>
+      <p:sp>
+        <p:nvSpPr>
           <p:cNvPr id="4" name="Text Placeholder 3"/>
           <p:cNvSpPr>
             <a:spLocks noGrp="1"/>
@@ -5704,10 +5623,17 @@
   <p:clrMapOvr>
     <a:masterClrMapping/>
   </p:clrMapOvr>
+  <p:timing>
+    <p:tnLst>
+      <p:par>
+        <p:cTn id="1" dur="indefinite" restart="never" nodeType="tmRoot"/>
+      </p:par>
+    </p:tnLst>
+  </p:timing>
 </p:sld>
 </file>
 
-<file path=ppt/slides/slide21.xml><?xml version="1.0" encoding="utf-8"?>
+<file path=ppt/slides/slide22.xml><?xml version="1.0" encoding="utf-8"?>
 <p:sld xmlns:a="http://schemas.openxmlformats.org/drawingml/2006/main" xmlns:r="http://schemas.openxmlformats.org/officeDocument/2006/relationships" xmlns:p="http://schemas.openxmlformats.org/presentationml/2006/main">
   <p:cSld>
     <p:spTree>
@@ -6060,7 +5986,7 @@
 </p:sld>
 </file>
 
-<file path=ppt/slides/slide22.xml><?xml version="1.0" encoding="utf-8"?>
+<file path=ppt/slides/slide23.xml><?xml version="1.0" encoding="utf-8"?>
 <p:sld xmlns:a="http://schemas.openxmlformats.org/drawingml/2006/main" xmlns:r="http://schemas.openxmlformats.org/officeDocument/2006/relationships" xmlns:p="http://schemas.openxmlformats.org/presentationml/2006/main">
   <p:cSld>
     <p:spTree>
@@ -6120,7 +6046,187 @@
 </p:sld>
 </file>
 
-<file path=ppt/slides/slide23.xml><?xml version="1.0" encoding="utf-8"?>
+<file path=ppt/slides/slide24.xml><?xml version="1.0" encoding="utf-8"?>
+<p:sld xmlns:a="http://schemas.openxmlformats.org/drawingml/2006/main" xmlns:r="http://schemas.openxmlformats.org/officeDocument/2006/relationships" xmlns:p="http://schemas.openxmlformats.org/presentationml/2006/main">
+  <p:cSld>
+    <p:spTree>
+      <p:nvGrpSpPr>
+        <p:cNvPr id="1" name=""/>
+        <p:cNvGrpSpPr/>
+        <p:nvPr/>
+      </p:nvGrpSpPr>
+      <p:grpSpPr>
+        <a:xfrm>
+          <a:off x="0" y="0"/>
+          <a:ext cx="0" cy="0"/>
+          <a:chOff x="0" y="0"/>
+          <a:chExt cx="0" cy="0"/>
+        </a:xfrm>
+      </p:grpSpPr>
+      <p:sp>
+        <p:nvSpPr>
+          <p:cNvPr id="3" name="Title 2"/>
+          <p:cNvSpPr>
+            <a:spLocks noGrp="1"/>
+          </p:cNvSpPr>
+          <p:nvPr>
+            <p:ph type="title"/>
+          </p:nvPr>
+        </p:nvSpPr>
+        <p:spPr/>
+        <p:txBody>
+          <a:bodyPr/>
+          <a:lstStyle/>
+          <a:p>
+            <a:r>
+              <a:rPr lang="en-US" dirty="0" smtClean="0"/>
+              <a:t>What did we learn?</a:t>
+            </a:r>
+            <a:endParaRPr lang="en-US" dirty="0"/>
+          </a:p>
+        </p:txBody>
+      </p:sp>
+      <p:sp>
+        <p:nvSpPr>
+          <p:cNvPr id="4" name="Content Placeholder 3"/>
+          <p:cNvSpPr>
+            <a:spLocks noGrp="1"/>
+          </p:cNvSpPr>
+          <p:nvPr>
+            <p:ph sz="quarter" idx="10"/>
+          </p:nvPr>
+        </p:nvSpPr>
+        <p:spPr/>
+        <p:txBody>
+          <a:bodyPr/>
+          <a:lstStyle/>
+          <a:p>
+            <a:r>
+              <a:rPr lang="en-US" dirty="0" smtClean="0"/>
+              <a:t>The difference between get and post</a:t>
+            </a:r>
+          </a:p>
+          <a:p>
+            <a:r>
+              <a:rPr lang="en-US" dirty="0" smtClean="0"/>
+              <a:t>How to create custom URLs</a:t>
+            </a:r>
+          </a:p>
+          <a:p>
+            <a:r>
+              <a:rPr lang="en-US" dirty="0" smtClean="0"/>
+              <a:t>How to send information to the user</a:t>
+            </a:r>
+            <a:endParaRPr lang="en-US" dirty="0"/>
+          </a:p>
+        </p:txBody>
+      </p:sp>
+    </p:spTree>
+    <p:extLst>
+      <p:ext uri="{BB962C8B-B14F-4D97-AF65-F5344CB8AC3E}">
+        <p14:creationId xmlns:p14="http://schemas.microsoft.com/office/powerpoint/2010/main" val="2865597919"/>
+      </p:ext>
+    </p:extLst>
+  </p:cSld>
+  <p:clrMapOvr>
+    <a:masterClrMapping/>
+  </p:clrMapOvr>
+</p:sld>
+</file>
+
+<file path=ppt/slides/slide25.xml><?xml version="1.0" encoding="utf-8"?>
+<p:sld xmlns:a="http://schemas.openxmlformats.org/drawingml/2006/main" xmlns:r="http://schemas.openxmlformats.org/officeDocument/2006/relationships" xmlns:p="http://schemas.openxmlformats.org/presentationml/2006/main">
+  <p:cSld>
+    <p:spTree>
+      <p:nvGrpSpPr>
+        <p:cNvPr id="1" name=""/>
+        <p:cNvGrpSpPr/>
+        <p:nvPr/>
+      </p:nvGrpSpPr>
+      <p:grpSpPr>
+        <a:xfrm>
+          <a:off x="0" y="0"/>
+          <a:ext cx="0" cy="0"/>
+          <a:chOff x="0" y="0"/>
+          <a:chExt cx="0" cy="0"/>
+        </a:xfrm>
+      </p:grpSpPr>
+      <p:sp>
+        <p:nvSpPr>
+          <p:cNvPr id="2" name="Title 1"/>
+          <p:cNvSpPr>
+            <a:spLocks noGrp="1"/>
+          </p:cNvSpPr>
+          <p:nvPr>
+            <p:ph type="title"/>
+          </p:nvPr>
+        </p:nvSpPr>
+        <p:spPr/>
+        <p:txBody>
+          <a:bodyPr/>
+          <a:lstStyle/>
+          <a:p>
+            <a:r>
+              <a:rPr lang="en-US" dirty="0" smtClean="0"/>
+              <a:t>What can we do with this?</a:t>
+            </a:r>
+            <a:endParaRPr lang="en-US" dirty="0"/>
+          </a:p>
+        </p:txBody>
+      </p:sp>
+      <p:sp>
+        <p:nvSpPr>
+          <p:cNvPr id="3" name="Content Placeholder 2"/>
+          <p:cNvSpPr>
+            <a:spLocks noGrp="1"/>
+          </p:cNvSpPr>
+          <p:nvPr>
+            <p:ph sz="quarter" idx="10"/>
+          </p:nvPr>
+        </p:nvSpPr>
+        <p:spPr/>
+        <p:txBody>
+          <a:bodyPr/>
+          <a:lstStyle/>
+          <a:p>
+            <a:r>
+              <a:rPr lang="en-US" dirty="0" smtClean="0"/>
+              <a:t>Determine how best to share information with the world</a:t>
+            </a:r>
+          </a:p>
+          <a:p>
+            <a:r>
+              <a:rPr lang="en-US" dirty="0" smtClean="0"/>
+              <a:t>Create custom URLs</a:t>
+            </a:r>
+          </a:p>
+          <a:p>
+            <a:r>
+              <a:rPr lang="en-US" dirty="0" smtClean="0"/>
+              <a:t>Begin building </a:t>
+            </a:r>
+            <a:r>
+              <a:rPr lang="en-US" smtClean="0"/>
+              <a:t>web applications</a:t>
+            </a:r>
+            <a:endParaRPr lang="en-US"/>
+          </a:p>
+        </p:txBody>
+      </p:sp>
+    </p:spTree>
+    <p:extLst>
+      <p:ext uri="{BB962C8B-B14F-4D97-AF65-F5344CB8AC3E}">
+        <p14:creationId xmlns:p14="http://schemas.microsoft.com/office/powerpoint/2010/main" val="501338353"/>
+      </p:ext>
+    </p:extLst>
+  </p:cSld>
+  <p:clrMapOvr>
+    <a:masterClrMapping/>
+  </p:clrMapOvr>
+</p:sld>
+</file>
+
+<file path=ppt/slides/slide26.xml><?xml version="1.0" encoding="utf-8"?>
 <p:sld xmlns:a="http://schemas.openxmlformats.org/drawingml/2006/main" xmlns:r="http://schemas.openxmlformats.org/officeDocument/2006/relationships" xmlns:p="http://schemas.openxmlformats.org/presentationml/2006/main">
   <p:cSld>
     <p:spTree>
@@ -6322,6 +6428,13 @@
   <p:clrMapOvr>
     <a:masterClrMapping/>
   </p:clrMapOvr>
+  <p:timing>
+    <p:tnLst>
+      <p:par>
+        <p:cTn id="1" dur="indefinite" restart="never" nodeType="tmRoot"/>
+      </p:par>
+    </p:tnLst>
+  </p:timing>
 </p:sld>
 </file>
 
@@ -6428,6 +6541,16 @@
 <file path=ppt/slides/slide6.xml><?xml version="1.0" encoding="utf-8"?>
 <p:sld xmlns:a="http://schemas.openxmlformats.org/drawingml/2006/main" xmlns:r="http://schemas.openxmlformats.org/officeDocument/2006/relationships" xmlns:p="http://schemas.openxmlformats.org/presentationml/2006/main">
   <p:cSld>
+    <p:bg>
+      <p:bgPr>
+        <a:solidFill>
+          <a:schemeClr val="accent2">
+            <a:lumMod val="75000"/>
+          </a:schemeClr>
+        </a:solidFill>
+        <a:effectLst/>
+      </p:bgPr>
+    </p:bg>
     <p:spTree>
       <p:nvGrpSpPr>
         <p:cNvPr id="1" name=""/>
@@ -6444,7 +6567,7 @@
       </p:grpSpPr>
       <p:sp>
         <p:nvSpPr>
-          <p:cNvPr id="2" name="Title 1"/>
+          <p:cNvPr id="4" name="Title 3"/>
           <p:cNvSpPr>
             <a:spLocks noGrp="1"/>
           </p:cNvSpPr>
@@ -6452,66 +6575,38 @@
             <p:ph type="title"/>
           </p:nvPr>
         </p:nvSpPr>
-        <p:spPr/>
-        <p:txBody>
-          <a:bodyPr/>
+        <p:spPr>
+          <a:xfrm>
+            <a:off x="481886" y="3013905"/>
+            <a:ext cx="11228229" cy="710063"/>
+          </a:xfrm>
+        </p:spPr>
+        <p:txBody>
+          <a:bodyPr>
+            <a:noAutofit/>
+          </a:bodyPr>
           <a:lstStyle/>
           <a:p>
             <a:r>
-              <a:rPr lang="en-US" dirty="0" smtClean="0"/>
-              <a:t>Requests and responses</a:t>
-            </a:r>
-            <a:endParaRPr lang="en-US" dirty="0"/>
-          </a:p>
-        </p:txBody>
-      </p:sp>
-      <p:sp>
-        <p:nvSpPr>
-          <p:cNvPr id="3" name="Content Placeholder 2"/>
-          <p:cNvSpPr>
-            <a:spLocks noGrp="1"/>
-          </p:cNvSpPr>
-          <p:nvPr>
-            <p:ph sz="quarter" idx="10"/>
-          </p:nvPr>
-        </p:nvSpPr>
-        <p:spPr/>
-        <p:txBody>
-          <a:bodyPr/>
-          <a:lstStyle/>
-          <a:p>
-            <a:r>
-              <a:rPr lang="en-US" dirty="0" smtClean="0"/>
-              <a:t>Request</a:t>
-            </a:r>
-          </a:p>
-          <a:p>
-            <a:pPr lvl="1"/>
-            <a:r>
-              <a:rPr lang="en-US" dirty="0" smtClean="0"/>
-              <a:t>Information the user sent to the server</a:t>
-            </a:r>
-          </a:p>
-          <a:p>
-            <a:r>
-              <a:rPr lang="en-US" dirty="0" smtClean="0"/>
-              <a:t>Response</a:t>
-            </a:r>
-          </a:p>
-          <a:p>
-            <a:pPr lvl="1"/>
-            <a:r>
-              <a:rPr lang="en-US" dirty="0" smtClean="0"/>
-              <a:t>Information the server sends to the user</a:t>
-            </a:r>
-            <a:endParaRPr lang="en-US" dirty="0" smtClean="0"/>
+              <a:rPr lang="en-US" sz="9600" dirty="0" smtClean="0">
+                <a:solidFill>
+                  <a:schemeClr val="bg1"/>
+                </a:solidFill>
+              </a:rPr>
+              <a:t>Terminology warning!</a:t>
+            </a:r>
+            <a:endParaRPr lang="en-US" sz="9600" dirty="0">
+              <a:solidFill>
+                <a:schemeClr val="bg1"/>
+              </a:solidFill>
+            </a:endParaRPr>
           </a:p>
         </p:txBody>
       </p:sp>
     </p:spTree>
     <p:extLst>
       <p:ext uri="{BB962C8B-B14F-4D97-AF65-F5344CB8AC3E}">
-        <p14:creationId xmlns:p14="http://schemas.microsoft.com/office/powerpoint/2010/main" val="1538836023"/>
+        <p14:creationId xmlns:p14="http://schemas.microsoft.com/office/powerpoint/2010/main" val="2398577101"/>
       </p:ext>
     </p:extLst>
   </p:cSld>
@@ -6521,9 +6616,134 @@
   <p:timing>
     <p:tnLst>
       <p:par>
-        <p:cTn id="1" dur="indefinite" restart="never" nodeType="tmRoot"/>
+        <p:cTn id="1" dur="indefinite" restart="never" nodeType="tmRoot">
+          <p:childTnLst>
+            <p:seq concurrent="1" nextAc="seek">
+              <p:cTn id="2" dur="indefinite" nodeType="mainSeq">
+                <p:childTnLst>
+                  <p:par>
+                    <p:cTn id="3" fill="hold">
+                      <p:stCondLst>
+                        <p:cond delay="indefinite"/>
+                      </p:stCondLst>
+                      <p:childTnLst>
+                        <p:par>
+                          <p:cTn id="4" fill="hold">
+                            <p:stCondLst>
+                              <p:cond delay="0"/>
+                            </p:stCondLst>
+                            <p:childTnLst>
+                              <p:par>
+                                <p:cTn id="5" presetID="53" presetClass="entr" presetSubtype="16" fill="hold" grpId="0" nodeType="clickEffect">
+                                  <p:stCondLst>
+                                    <p:cond delay="0"/>
+                                  </p:stCondLst>
+                                  <p:childTnLst>
+                                    <p:set>
+                                      <p:cBhvr>
+                                        <p:cTn id="6" dur="1" fill="hold">
+                                          <p:stCondLst>
+                                            <p:cond delay="0"/>
+                                          </p:stCondLst>
+                                        </p:cTn>
+                                        <p:tgtEl>
+                                          <p:spTgt spid="4"/>
+                                        </p:tgtEl>
+                                        <p:attrNameLst>
+                                          <p:attrName>style.visibility</p:attrName>
+                                        </p:attrNameLst>
+                                      </p:cBhvr>
+                                      <p:to>
+                                        <p:strVal val="visible"/>
+                                      </p:to>
+                                    </p:set>
+                                    <p:anim calcmode="lin" valueType="num">
+                                      <p:cBhvr>
+                                        <p:cTn id="7" dur="500" fill="hold"/>
+                                        <p:tgtEl>
+                                          <p:spTgt spid="4"/>
+                                        </p:tgtEl>
+                                        <p:attrNameLst>
+                                          <p:attrName>ppt_w</p:attrName>
+                                        </p:attrNameLst>
+                                      </p:cBhvr>
+                                      <p:tavLst>
+                                        <p:tav tm="0">
+                                          <p:val>
+                                            <p:fltVal val="0"/>
+                                          </p:val>
+                                        </p:tav>
+                                        <p:tav tm="100000">
+                                          <p:val>
+                                            <p:strVal val="#ppt_w"/>
+                                          </p:val>
+                                        </p:tav>
+                                      </p:tavLst>
+                                    </p:anim>
+                                    <p:anim calcmode="lin" valueType="num">
+                                      <p:cBhvr>
+                                        <p:cTn id="8" dur="500" fill="hold"/>
+                                        <p:tgtEl>
+                                          <p:spTgt spid="4"/>
+                                        </p:tgtEl>
+                                        <p:attrNameLst>
+                                          <p:attrName>ppt_h</p:attrName>
+                                        </p:attrNameLst>
+                                      </p:cBhvr>
+                                      <p:tavLst>
+                                        <p:tav tm="0">
+                                          <p:val>
+                                            <p:fltVal val="0"/>
+                                          </p:val>
+                                        </p:tav>
+                                        <p:tav tm="100000">
+                                          <p:val>
+                                            <p:strVal val="#ppt_h"/>
+                                          </p:val>
+                                        </p:tav>
+                                      </p:tavLst>
+                                    </p:anim>
+                                    <p:animEffect transition="in" filter="fade">
+                                      <p:cBhvr>
+                                        <p:cTn id="9" dur="500"/>
+                                        <p:tgtEl>
+                                          <p:spTgt spid="4"/>
+                                        </p:tgtEl>
+                                      </p:cBhvr>
+                                    </p:animEffect>
+                                  </p:childTnLst>
+                                </p:cTn>
+                              </p:par>
+                            </p:childTnLst>
+                          </p:cTn>
+                        </p:par>
+                      </p:childTnLst>
+                    </p:cTn>
+                  </p:par>
+                </p:childTnLst>
+              </p:cTn>
+              <p:prevCondLst>
+                <p:cond evt="onPrev" delay="0">
+                  <p:tgtEl>
+                    <p:sldTgt/>
+                  </p:tgtEl>
+                </p:cond>
+              </p:prevCondLst>
+              <p:nextCondLst>
+                <p:cond evt="onNext" delay="0">
+                  <p:tgtEl>
+                    <p:sldTgt/>
+                  </p:tgtEl>
+                </p:cond>
+              </p:nextCondLst>
+            </p:seq>
+          </p:childTnLst>
+        </p:cTn>
       </p:par>
     </p:tnLst>
+    <p:bldLst>
+      <p:bldP spid="4" grpId="0"/>
+    </p:bldLst>
   </p:timing>
 </p:sld>
 </file>
@@ -6562,7 +6782,7 @@
           <a:p>
             <a:r>
               <a:rPr lang="en-US" dirty="0" smtClean="0"/>
-              <a:t>Request contents</a:t>
+              <a:t>Requests and responses</a:t>
             </a:r>
             <a:endParaRPr lang="en-US" dirty="0"/>
           </a:p>
@@ -6585,86 +6805,35 @@
           <a:p>
             <a:r>
               <a:rPr lang="en-US" dirty="0" smtClean="0"/>
-              <a:t>URL</a:t>
+              <a:t>Request</a:t>
             </a:r>
           </a:p>
           <a:p>
             <a:pPr lvl="1"/>
             <a:r>
               <a:rPr lang="en-US" dirty="0" smtClean="0"/>
-              <a:t>Includes the query string</a:t>
-            </a:r>
-          </a:p>
-          <a:p>
-            <a:pPr lvl="2"/>
-            <a:r>
-              <a:rPr lang="en-US" dirty="0" smtClean="0"/>
-              <a:t>www.example.com/products?id=42</a:t>
+              <a:t>Information the user sent to the server</a:t>
+            </a:r>
+          </a:p>
+          <a:p>
+            <a:r>
+              <a:rPr lang="en-US" dirty="0" smtClean="0"/>
+              <a:t>Response</a:t>
             </a:r>
           </a:p>
           <a:p>
             <a:pPr lvl="1"/>
             <a:r>
               <a:rPr lang="en-US" dirty="0" smtClean="0"/>
-              <a:t>"</a:t>
-            </a:r>
-            <a:r>
-              <a:rPr lang="en-US" dirty="0" err="1" smtClean="0"/>
-              <a:t>Replayable</a:t>
-            </a:r>
-            <a:r>
-              <a:rPr lang="en-US" dirty="0" smtClean="0"/>
-              <a:t>"</a:t>
-            </a:r>
-          </a:p>
-          <a:p>
-            <a:pPr lvl="2"/>
-            <a:r>
-              <a:rPr lang="en-US" dirty="0" smtClean="0"/>
-              <a:t>Anyone with the URL can access the page</a:t>
-            </a:r>
-          </a:p>
-          <a:p>
-            <a:r>
-              <a:rPr lang="en-US" dirty="0" smtClean="0"/>
-              <a:t>Header information</a:t>
-            </a:r>
-          </a:p>
-          <a:p>
-            <a:pPr lvl="1"/>
-            <a:r>
-              <a:rPr lang="en-US" dirty="0" smtClean="0"/>
-              <a:t>Sent behind the scenes</a:t>
-            </a:r>
-          </a:p>
-          <a:p>
-            <a:pPr lvl="1"/>
-            <a:r>
-              <a:rPr lang="en-US" dirty="0" smtClean="0"/>
-              <a:t>No size or type restriction</a:t>
-            </a:r>
-          </a:p>
-          <a:p>
-            <a:pPr lvl="2"/>
-            <a:r>
-              <a:rPr lang="en-US" dirty="0" smtClean="0"/>
-              <a:t>Forms</a:t>
-            </a:r>
-          </a:p>
-          <a:p>
-            <a:pPr lvl="2"/>
-            <a:r>
-              <a:rPr lang="en-US" dirty="0" smtClean="0"/>
-              <a:t>Files</a:t>
-            </a:r>
-            <a:endParaRPr lang="en-US" dirty="0"/>
+              <a:t>Information the server sends to the user</a:t>
+            </a:r>
           </a:p>
         </p:txBody>
       </p:sp>
     </p:spTree>
     <p:extLst>
       <p:ext uri="{BB962C8B-B14F-4D97-AF65-F5344CB8AC3E}">
-        <p14:creationId xmlns:p14="http://schemas.microsoft.com/office/powerpoint/2010/main" val="3587781507"/>
+        <p14:creationId xmlns:p14="http://schemas.microsoft.com/office/powerpoint/2010/main" val="1538836023"/>
       </p:ext>
     </p:extLst>
   </p:cSld>
@@ -6698,6 +6867,36 @@
           <a:chExt cx="0" cy="0"/>
         </a:xfrm>
       </p:grpSpPr>
+      <p:pic>
+        <p:nvPicPr>
+          <p:cNvPr id="8" name="Picture 7"/>
+          <p:cNvPicPr>
+            <a:picLocks noChangeAspect="1"/>
+          </p:cNvPicPr>
+          <p:nvPr/>
+        </p:nvPicPr>
+        <p:blipFill>
+          <a:blip r:embed="rId2" cstate="print">
+            <a:extLst>
+              <a:ext uri="{28A0092B-C50C-407E-A947-70E740481C1C}">
+                <a14:useLocalDpi xmlns:a14="http://schemas.microsoft.com/office/drawing/2010/main" val="0"/>
+              </a:ext>
+            </a:extLst>
+          </a:blip>
+          <a:stretch>
+            <a:fillRect/>
+          </a:stretch>
+        </p:blipFill>
+        <p:spPr>
+          <a:xfrm>
+            <a:off x="9499348" y="4675695"/>
+            <a:ext cx="2404598" cy="1819373"/>
+          </a:xfrm>
+          <a:prstGeom prst="rect">
+            <a:avLst/>
+          </a:prstGeom>
+        </p:spPr>
+      </p:pic>
       <p:sp>
         <p:nvSpPr>
           <p:cNvPr id="2" name="Title 1"/>
@@ -6715,58 +6914,202 @@
           <a:p>
             <a:r>
               <a:rPr lang="en-US" dirty="0" smtClean="0"/>
-              <a:t>Response contents</a:t>
+              <a:t>Making a request</a:t>
             </a:r>
             <a:endParaRPr lang="en-US" dirty="0"/>
           </a:p>
         </p:txBody>
       </p:sp>
-      <p:sp>
-        <p:nvSpPr>
-          <p:cNvPr id="3" name="Content Placeholder 2"/>
-          <p:cNvSpPr>
-            <a:spLocks noGrp="1"/>
-          </p:cNvSpPr>
-          <p:nvPr>
-            <p:ph sz="quarter" idx="10"/>
-          </p:nvPr>
-        </p:nvSpPr>
-        <p:spPr/>
-        <p:txBody>
-          <a:bodyPr/>
+      <p:pic>
+        <p:nvPicPr>
+          <p:cNvPr id="4" name="Picture 3"/>
+          <p:cNvPicPr>
+            <a:picLocks noChangeAspect="1"/>
+          </p:cNvPicPr>
+          <p:nvPr/>
+        </p:nvPicPr>
+        <p:blipFill>
+          <a:blip r:embed="rId3">
+            <a:extLst>
+              <a:ext uri="{28A0092B-C50C-407E-A947-70E740481C1C}">
+                <a14:useLocalDpi xmlns:a14="http://schemas.microsoft.com/office/drawing/2010/main" val="0"/>
+              </a:ext>
+            </a:extLst>
+          </a:blip>
+          <a:stretch>
+            <a:fillRect/>
+          </a:stretch>
+        </p:blipFill>
+        <p:spPr>
+          <a:xfrm flipH="1">
+            <a:off x="379514" y="2553610"/>
+            <a:ext cx="2618210" cy="2204570"/>
+          </a:xfrm>
+          <a:prstGeom prst="rect">
+            <a:avLst/>
+          </a:prstGeom>
+        </p:spPr>
+      </p:pic>
+      <p:pic>
+        <p:nvPicPr>
+          <p:cNvPr id="5" name="Picture 4"/>
+          <p:cNvPicPr>
+            <a:picLocks noChangeAspect="1"/>
+          </p:cNvPicPr>
+          <p:nvPr/>
+        </p:nvPicPr>
+        <p:blipFill>
+          <a:blip r:embed="rId4">
+            <a:extLst>
+              <a:ext uri="{28A0092B-C50C-407E-A947-70E740481C1C}">
+                <a14:useLocalDpi xmlns:a14="http://schemas.microsoft.com/office/drawing/2010/main" val="0"/>
+              </a:ext>
+            </a:extLst>
+          </a:blip>
+          <a:stretch>
+            <a:fillRect/>
+          </a:stretch>
+        </p:blipFill>
+        <p:spPr>
+          <a:xfrm>
+            <a:off x="8671434" y="2141618"/>
+            <a:ext cx="3028557" cy="3028557"/>
+          </a:xfrm>
+          <a:prstGeom prst="rect">
+            <a:avLst/>
+          </a:prstGeom>
+        </p:spPr>
+      </p:pic>
+      <p:sp>
+        <p:nvSpPr>
+          <p:cNvPr id="6" name="Right Arrow 5"/>
+          <p:cNvSpPr/>
+          <p:nvPr/>
+        </p:nvSpPr>
+        <p:spPr>
+          <a:xfrm>
+            <a:off x="2997724" y="2778489"/>
+            <a:ext cx="5144481" cy="987395"/>
+          </a:xfrm>
+          <a:prstGeom prst="rightArrow">
+            <a:avLst/>
+          </a:prstGeom>
+        </p:spPr>
+        <p:style>
+          <a:lnRef idx="1">
+            <a:schemeClr val="accent5"/>
+          </a:lnRef>
+          <a:fillRef idx="2">
+            <a:schemeClr val="accent5"/>
+          </a:fillRef>
+          <a:effectRef idx="1">
+            <a:schemeClr val="accent5"/>
+          </a:effectRef>
+          <a:fontRef idx="minor">
+            <a:schemeClr val="dk1"/>
+          </a:fontRef>
+        </p:style>
+        <p:txBody>
+          <a:bodyPr rtlCol="0" anchor="ctr"/>
           <a:lstStyle/>
           <a:p>
-            <a:r>
-              <a:rPr lang="en-US" dirty="0" smtClean="0"/>
-              <a:t>Header information</a:t>
-            </a:r>
-          </a:p>
-          <a:p>
-            <a:pPr lvl="1"/>
-            <a:r>
-              <a:rPr lang="en-US" dirty="0" smtClean="0"/>
-              <a:t>Used to indicate status codes, file types and other "behind the scenes" information</a:t>
-            </a:r>
-          </a:p>
-          <a:p>
-            <a:r>
-              <a:rPr lang="en-US" dirty="0" smtClean="0"/>
-              <a:t>Content</a:t>
-            </a:r>
-          </a:p>
-          <a:p>
-            <a:pPr lvl="1"/>
-            <a:r>
-              <a:rPr lang="en-US" dirty="0" smtClean="0"/>
-              <a:t>Typically HTML, CSS or JavaScript</a:t>
-            </a:r>
+            <a:pPr algn="ctr"/>
+            <a:r>
+              <a:rPr lang="en-US" dirty="0" smtClean="0"/>
+              <a:t>www.adventure-works.com/SleepingKoala</a:t>
+            </a:r>
+            <a:endParaRPr lang="en-US" dirty="0"/>
+          </a:p>
+        </p:txBody>
+      </p:sp>
+      <p:sp>
+        <p:nvSpPr>
+          <p:cNvPr id="7" name="Cloud Callout 6"/>
+          <p:cNvSpPr/>
+          <p:nvPr/>
+        </p:nvSpPr>
+        <p:spPr>
+          <a:xfrm>
+            <a:off x="1291472" y="1470581"/>
+            <a:ext cx="3393650" cy="1083029"/>
+          </a:xfrm>
+          <a:prstGeom prst="cloudCallout">
+            <a:avLst/>
+          </a:prstGeom>
+        </p:spPr>
+        <p:style>
+          <a:lnRef idx="1">
+            <a:schemeClr val="accent5"/>
+          </a:lnRef>
+          <a:fillRef idx="2">
+            <a:schemeClr val="accent5"/>
+          </a:fillRef>
+          <a:effectRef idx="1">
+            <a:schemeClr val="accent5"/>
+          </a:effectRef>
+          <a:fontRef idx="minor">
+            <a:schemeClr val="dk1"/>
+          </a:fontRef>
+        </p:style>
+        <p:txBody>
+          <a:bodyPr rtlCol="0" anchor="ctr"/>
+          <a:lstStyle/>
+          <a:p>
+            <a:pPr algn="ctr"/>
+            <a:r>
+              <a:rPr lang="en-US" dirty="0" smtClean="0"/>
+              <a:t>I'd like to download a picture of a koala</a:t>
+            </a:r>
+            <a:endParaRPr lang="en-US" dirty="0"/>
+          </a:p>
+        </p:txBody>
+      </p:sp>
+      <p:sp>
+        <p:nvSpPr>
+          <p:cNvPr id="9" name="Left Arrow 8"/>
+          <p:cNvSpPr/>
+          <p:nvPr/>
+        </p:nvSpPr>
+        <p:spPr>
+          <a:xfrm>
+            <a:off x="2997724" y="3655895"/>
+            <a:ext cx="5144481" cy="641023"/>
+          </a:xfrm>
+          <a:prstGeom prst="leftArrow">
+            <a:avLst/>
+          </a:prstGeom>
+        </p:spPr>
+        <p:style>
+          <a:lnRef idx="1">
+            <a:schemeClr val="accent4"/>
+          </a:lnRef>
+          <a:fillRef idx="2">
+            <a:schemeClr val="accent4"/>
+          </a:fillRef>
+          <a:effectRef idx="1">
+            <a:schemeClr val="accent4"/>
+          </a:effectRef>
+          <a:fontRef idx="minor">
+            <a:schemeClr val="dk1"/>
+          </a:fontRef>
+        </p:style>
+        <p:txBody>
+          <a:bodyPr rtlCol="0" anchor="ctr"/>
+          <a:lstStyle/>
+          <a:p>
+            <a:pPr algn="ctr"/>
+            <a:r>
+              <a:rPr lang="en-US" dirty="0" smtClean="0"/>
+              <a:t>"Here's the picture!"</a:t>
+            </a:r>
+            <a:endParaRPr lang="en-US" dirty="0"/>
           </a:p>
         </p:txBody>
       </p:sp>
     </p:spTree>
     <p:extLst>
       <p:ext uri="{BB962C8B-B14F-4D97-AF65-F5344CB8AC3E}">
-        <p14:creationId xmlns:p14="http://schemas.microsoft.com/office/powerpoint/2010/main" val="32983429"/>
+        <p14:creationId xmlns:p14="http://schemas.microsoft.com/office/powerpoint/2010/main" val="1203572196"/>
       </p:ext>
     </p:extLst>
   </p:cSld>
@@ -6776,9 +7119,110 @@
   <p:timing>
     <p:tnLst>
       <p:par>
-        <p:cTn id="1" dur="indefinite" restart="never" nodeType="tmRoot"/>
+        <p:cTn id="1" dur="indefinite" restart="never" nodeType="tmRoot">
+          <p:childTnLst>
+            <p:seq concurrent="1" nextAc="seek">
+              <p:cTn id="2" dur="indefinite" nodeType="mainSeq">
+                <p:childTnLst>
+                  <p:par>
+                    <p:cTn id="3" fill="hold">
+                      <p:stCondLst>
+                        <p:cond delay="indefinite"/>
+                      </p:stCondLst>
+                      <p:childTnLst>
+                        <p:par>
+                          <p:cTn id="4" fill="hold">
+                            <p:stCondLst>
+                              <p:cond delay="0"/>
+                            </p:stCondLst>
+                            <p:childTnLst>
+                              <p:par>
+                                <p:cTn id="5" presetID="10" presetClass="entr" presetSubtype="0" fill="hold" grpId="0" nodeType="clickEffect">
+                                  <p:stCondLst>
+                                    <p:cond delay="0"/>
+                                  </p:stCondLst>
+                                  <p:childTnLst>
+                                    <p:set>
+                                      <p:cBhvr>
+                                        <p:cTn id="6" dur="1" fill="hold">
+                                          <p:stCondLst>
+                                            <p:cond delay="0"/>
+                                          </p:stCondLst>
+                                        </p:cTn>
+                                        <p:tgtEl>
+                                          <p:spTgt spid="9"/>
+                                        </p:tgtEl>
+                                        <p:attrNameLst>
+                                          <p:attrName>style.visibility</p:attrName>
+                                        </p:attrNameLst>
+                                      </p:cBhvr>
+                                      <p:to>
+                                        <p:strVal val="visible"/>
+                                      </p:to>
+                                    </p:set>
+                                    <p:animEffect transition="in" filter="fade">
+                                      <p:cBhvr>
+                                        <p:cTn id="7" dur="500"/>
+                                        <p:tgtEl>
+                                          <p:spTgt spid="9"/>
+                                        </p:tgtEl>
+                                      </p:cBhvr>
+                                    </p:animEffect>
+                                  </p:childTnLst>
+                                </p:cTn>
+                              </p:par>
+                              <p:par>
+                                <p:cTn id="8" presetID="42" presetClass="path" presetSubtype="0" accel="50000" decel="50000" fill="hold" nodeType="withEffect">
+                                  <p:stCondLst>
+                                    <p:cond delay="0"/>
+                                  </p:stCondLst>
+                                  <p:childTnLst>
+                                    <p:animMotion origin="layout" path="M -4.375E-6 -1.85185E-6 L -0.71927 0.00741 " pathEditMode="relative" rAng="0" ptsTypes="AA">
+                                      <p:cBhvr>
+                                        <p:cTn id="9" dur="2000" fill="hold"/>
+                                        <p:tgtEl>
+                                          <p:spTgt spid="8"/>
+                                        </p:tgtEl>
+                                        <p:attrNameLst>
+                                          <p:attrName>ppt_x</p:attrName>
+                                          <p:attrName>ppt_y</p:attrName>
+                                        </p:attrNameLst>
+                                      </p:cBhvr>
+                                      <p:rCtr x="-35964" y="370"/>
+                                    </p:animMotion>
+                                  </p:childTnLst>
+                                </p:cTn>
+                              </p:par>
+                            </p:childTnLst>
+                          </p:cTn>
+                        </p:par>
+                      </p:childTnLst>
+                    </p:cTn>
+                  </p:par>
+                </p:childTnLst>
+              </p:cTn>
+              <p:prevCondLst>
+                <p:cond evt="onPrev" delay="0">
+                  <p:tgtEl>
+                    <p:sldTgt/>
+                  </p:tgtEl>
+                </p:cond>
+              </p:prevCondLst>
+              <p:nextCondLst>
+                <p:cond evt="onNext" delay="0">
+                  <p:tgtEl>
+                    <p:sldTgt/>
+                  </p:tgtEl>
+                </p:cond>
+              </p:nextCondLst>
+            </p:seq>
+          </p:childTnLst>
+        </p:cTn>
       </p:par>
     </p:tnLst>
+    <p:bldLst>
+      <p:bldP spid="9" grpId="0" animBg="1"/>
+    </p:bldLst>
   </p:timing>
 </p:sld>
 </file>
@@ -6817,7 +7261,7 @@
           <a:p>
             <a:r>
               <a:rPr lang="en-US" dirty="0" smtClean="0"/>
-              <a:t>Making requests</a:t>
+              <a:t>Request contents</a:t>
             </a:r>
             <a:endParaRPr lang="en-US" dirty="0"/>
           </a:p>
@@ -6840,47 +7284,77 @@
           <a:p>
             <a:r>
               <a:rPr lang="en-US" dirty="0" smtClean="0"/>
-              <a:t>Two main "verbs"</a:t>
-            </a:r>
-          </a:p>
-          <a:p>
-            <a:r>
-              <a:rPr lang="en-US" dirty="0" smtClean="0"/>
-              <a:t>GET</a:t>
+              <a:t>URL</a:t>
             </a:r>
           </a:p>
           <a:p>
             <a:pPr lvl="1"/>
             <a:r>
               <a:rPr lang="en-US" dirty="0" smtClean="0"/>
-              <a:t>Can only send data in URL</a:t>
+              <a:t>Includes the query string</a:t>
+            </a:r>
+          </a:p>
+          <a:p>
+            <a:pPr lvl="2"/>
+            <a:r>
+              <a:rPr lang="en-US" dirty="0" smtClean="0"/>
+              <a:t>www.example.com/products?id=42</a:t>
             </a:r>
           </a:p>
           <a:p>
             <a:pPr lvl="1"/>
             <a:r>
               <a:rPr lang="en-US" dirty="0" smtClean="0"/>
-              <a:t>Typically used to display forms or information</a:t>
-            </a:r>
-          </a:p>
-          <a:p>
-            <a:r>
-              <a:rPr lang="en-US" dirty="0" smtClean="0"/>
-              <a:t>POST</a:t>
+              <a:t>"</a:t>
+            </a:r>
+            <a:r>
+              <a:rPr lang="en-US" dirty="0" err="1" smtClean="0"/>
+              <a:t>Replayable</a:t>
+            </a:r>
+            <a:r>
+              <a:rPr lang="en-US" dirty="0" smtClean="0"/>
+              <a:t>"</a:t>
+            </a:r>
+          </a:p>
+          <a:p>
+            <a:pPr lvl="2"/>
+            <a:r>
+              <a:rPr lang="en-US" dirty="0" smtClean="0"/>
+              <a:t>Anyone with the URL can access the page</a:t>
+            </a:r>
+          </a:p>
+          <a:p>
+            <a:r>
+              <a:rPr lang="en-US" dirty="0" smtClean="0"/>
+              <a:t>Header information</a:t>
             </a:r>
           </a:p>
           <a:p>
             <a:pPr lvl="1"/>
             <a:r>
               <a:rPr lang="en-US" dirty="0" smtClean="0"/>
-              <a:t>Can send data in URL or header</a:t>
+              <a:t>Sent behind the scenes</a:t>
             </a:r>
           </a:p>
           <a:p>
             <a:pPr lvl="1"/>
             <a:r>
               <a:rPr lang="en-US" dirty="0" smtClean="0"/>
-              <a:t>Typically used to upload form data</a:t>
+              <a:t>No size or type restriction</a:t>
+            </a:r>
+          </a:p>
+          <a:p>
+            <a:pPr lvl="2"/>
+            <a:r>
+              <a:rPr lang="en-US" dirty="0" smtClean="0"/>
+              <a:t>Forms</a:t>
+            </a:r>
+          </a:p>
+          <a:p>
+            <a:pPr lvl="2"/>
+            <a:r>
+              <a:rPr lang="en-US" dirty="0" smtClean="0"/>
+              <a:t>Files</a:t>
             </a:r>
             <a:endParaRPr lang="en-US" dirty="0"/>
           </a:p>
@@ -6889,7 +7363,7 @@
     </p:spTree>
     <p:extLst>
       <p:ext uri="{BB962C8B-B14F-4D97-AF65-F5344CB8AC3E}">
-        <p14:creationId xmlns:p14="http://schemas.microsoft.com/office/powerpoint/2010/main" val="4243736588"/>
+        <p14:creationId xmlns:p14="http://schemas.microsoft.com/office/powerpoint/2010/main" val="3587781507"/>
       </p:ext>
     </p:extLst>
   </p:cSld>
@@ -7714,6 +8188,15 @@
 </file>
 
 <file path=customXml/item1.xml><?xml version="1.0" encoding="utf-8"?>
+<?mso-contentType ?>
+<FormTemplates xmlns="http://schemas.microsoft.com/sharepoint/v3/contenttype/forms">
+  <Display>DocumentLibraryForm</Display>
+  <Edit>DocumentLibraryForm</Edit>
+  <New>DocumentLibraryForm</New>
+</FormTemplates>
+</file>
+
+<file path=customXml/item2.xml><?xml version="1.0" encoding="utf-8"?>
 <ct:contentTypeSchema xmlns:ct="http://schemas.microsoft.com/office/2006/metadata/contentType" xmlns:ma="http://schemas.microsoft.com/office/2006/metadata/properties/metaAttributes" ct:_="" ma:_="" ma:contentTypeName="Document" ma:contentTypeID="0x010100496889825850D44592AC5D2F43187AE4" ma:contentTypeVersion="5" ma:contentTypeDescription="Create a new document." ma:contentTypeScope="" ma:versionID="fde90edb5a63ba841bca516fd2abaf95">
   <xsd:schema xmlns:xsd="http://www.w3.org/2001/XMLSchema" xmlns:xs="http://www.w3.org/2001/XMLSchema" xmlns:p="http://schemas.microsoft.com/office/2006/metadata/properties" xmlns:ns1="http://schemas.microsoft.com/sharepoint/v3" xmlns:ns2="230e9df3-be65-4c73-a93b-d1236ebd677e" xmlns:ns3="27aa9422-7f1f-4c84-9cdf-302b1a67e513" targetNamespace="http://schemas.microsoft.com/office/2006/metadata/properties" ma:root="true" ma:fieldsID="5e7808ae941cc340dbe51a3031959734" ns1:_="" ns2:_="" ns3:_="">
     <xsd:import namespace="http://schemas.microsoft.com/sharepoint/v3"/>
@@ -7895,7 +8378,7 @@
 </ct:contentTypeSchema>
 </file>
 
-<file path=customXml/item2.xml><?xml version="1.0" encoding="utf-8"?>
+<file path=customXml/item3.xml><?xml version="1.0" encoding="utf-8"?>
 <p:properties xmlns:p="http://schemas.microsoft.com/office/2006/metadata/properties" xmlns:xsi="http://www.w3.org/2001/XMLSchema-instance" xmlns:pc="http://schemas.microsoft.com/office/infopath/2007/PartnerControls">
   <documentManagement>
     <TaxCatchAll xmlns="230e9df3-be65-4c73-a93b-d1236ebd677e"/>
@@ -7908,16 +8391,15 @@
 </p:properties>
 </file>
 
-<file path=customXml/item3.xml><?xml version="1.0" encoding="utf-8"?>
-<?mso-contentType ?>
-<FormTemplates xmlns="http://schemas.microsoft.com/sharepoint/v3/contenttype/forms">
-  <Display>DocumentLibraryForm</Display>
-  <Edit>DocumentLibraryForm</Edit>
-  <New>DocumentLibraryForm</New>
-</FormTemplates>
+<file path=customXml/itemProps1.xml><?xml version="1.0" encoding="utf-8"?>
+<ds:datastoreItem xmlns:ds="http://schemas.openxmlformats.org/officeDocument/2006/customXml" ds:itemID="{B0CA13EC-1D3C-4D6F-8D1C-E8A452CFC79A}">
+  <ds:schemaRefs>
+    <ds:schemaRef ds:uri="http://schemas.microsoft.com/sharepoint/v3/contenttype/forms"/>
+  </ds:schemaRefs>
+</ds:datastoreItem>
 </file>
 
-<file path=customXml/itemProps1.xml><?xml version="1.0" encoding="utf-8"?>
+<file path=customXml/itemProps2.xml><?xml version="1.0" encoding="utf-8"?>
 <ds:datastoreItem xmlns:ds="http://schemas.openxmlformats.org/officeDocument/2006/customXml" ds:itemID="{3253B29C-1CCD-4FE8-A1C4-023A0910DF96}">
   <ds:schemaRefs>
     <ds:schemaRef ds:uri="http://schemas.microsoft.com/office/2006/metadata/contentType"/>
@@ -7937,7 +8419,7 @@
 </ds:datastoreItem>
 </file>
 
-<file path=customXml/itemProps2.xml><?xml version="1.0" encoding="utf-8"?>
+<file path=customXml/itemProps3.xml><?xml version="1.0" encoding="utf-8"?>
 <ds:datastoreItem xmlns:ds="http://schemas.openxmlformats.org/officeDocument/2006/customXml" ds:itemID="{7025FDD9-4C58-4084-9F89-0E6ADD6FFF55}">
   <ds:schemaRefs>
     <ds:schemaRef ds:uri="230e9df3-be65-4c73-a93b-d1236ebd677e"/>
@@ -7953,12 +8435,4 @@
     <ds:schemaRef ds:uri="http://purl.org/dc/terms/"/>
   </ds:schemaRefs>
 </ds:datastoreItem>
-</file>
-
-<file path=customXml/itemProps3.xml><?xml version="1.0" encoding="utf-8"?>
-<ds:datastoreItem xmlns:ds="http://schemas.openxmlformats.org/officeDocument/2006/customXml" ds:itemID="{B0CA13EC-1D3C-4D6F-8D1C-E8A452CFC79A}">
-  <ds:schemaRefs>
-    <ds:schemaRef ds:uri="http://schemas.microsoft.com/sharepoint/v3/contenttype/forms"/>
-  </ds:schemaRefs>
-</ds:datastoreItem>
 </file>
--- a/Slides/Module 2 - Creating web pages in Flask.pptx
+++ b/Slides/Module 2 - Creating web pages in Flask.pptx
@@ -228,7 +228,7 @@
           <a:p>
             <a:fld id="{312E7B4A-039C-48A2-9B2C-AF16AA3873D8}" type="datetimeFigureOut">
               <a:rPr lang="en-US" smtClean="0"/>
-              <a:t>12/15/2014</a:t>
+              <a:t>12/16/2014</a:t>
             </a:fld>
             <a:endParaRPr lang="en-US"/>
           </a:p>
@@ -393,7 +393,7 @@
           <a:p>
             <a:fld id="{DA005A0C-54D9-45AA-87D4-C551D08DFCE1}" type="datetimeFigureOut">
               <a:rPr lang="en-US" smtClean="0"/>
-              <a:t>12/15/2014</a:t>
+              <a:t>12/16/2014</a:t>
             </a:fld>
             <a:endParaRPr lang="en-US"/>
           </a:p>
@@ -8188,15 +8188,6 @@
 </file>
 
 <file path=customXml/item1.xml><?xml version="1.0" encoding="utf-8"?>
-<?mso-contentType ?>
-<FormTemplates xmlns="http://schemas.microsoft.com/sharepoint/v3/contenttype/forms">
-  <Display>DocumentLibraryForm</Display>
-  <Edit>DocumentLibraryForm</Edit>
-  <New>DocumentLibraryForm</New>
-</FormTemplates>
-</file>
-
-<file path=customXml/item2.xml><?xml version="1.0" encoding="utf-8"?>
 <ct:contentTypeSchema xmlns:ct="http://schemas.microsoft.com/office/2006/metadata/contentType" xmlns:ma="http://schemas.microsoft.com/office/2006/metadata/properties/metaAttributes" ct:_="" ma:_="" ma:contentTypeName="Document" ma:contentTypeID="0x010100496889825850D44592AC5D2F43187AE4" ma:contentTypeVersion="5" ma:contentTypeDescription="Create a new document." ma:contentTypeScope="" ma:versionID="fde90edb5a63ba841bca516fd2abaf95">
   <xsd:schema xmlns:xsd="http://www.w3.org/2001/XMLSchema" xmlns:xs="http://www.w3.org/2001/XMLSchema" xmlns:p="http://schemas.microsoft.com/office/2006/metadata/properties" xmlns:ns1="http://schemas.microsoft.com/sharepoint/v3" xmlns:ns2="230e9df3-be65-4c73-a93b-d1236ebd677e" xmlns:ns3="27aa9422-7f1f-4c84-9cdf-302b1a67e513" targetNamespace="http://schemas.microsoft.com/office/2006/metadata/properties" ma:root="true" ma:fieldsID="5e7808ae941cc340dbe51a3031959734" ns1:_="" ns2:_="" ns3:_="">
     <xsd:import namespace="http://schemas.microsoft.com/sharepoint/v3"/>
@@ -8378,6 +8369,15 @@
 </ct:contentTypeSchema>
 </file>
 
+<file path=customXml/item2.xml><?xml version="1.0" encoding="utf-8"?>
+<?mso-contentType ?>
+<FormTemplates xmlns="http://schemas.microsoft.com/sharepoint/v3/contenttype/forms">
+  <Display>DocumentLibraryForm</Display>
+  <Edit>DocumentLibraryForm</Edit>
+  <New>DocumentLibraryForm</New>
+</FormTemplates>
+</file>
+
 <file path=customXml/item3.xml><?xml version="1.0" encoding="utf-8"?>
 <p:properties xmlns:p="http://schemas.microsoft.com/office/2006/metadata/properties" xmlns:xsi="http://www.w3.org/2001/XMLSchema-instance" xmlns:pc="http://schemas.microsoft.com/office/infopath/2007/PartnerControls">
   <documentManagement>
@@ -8392,14 +8392,6 @@
 </file>
 
 <file path=customXml/itemProps1.xml><?xml version="1.0" encoding="utf-8"?>
-<ds:datastoreItem xmlns:ds="http://schemas.openxmlformats.org/officeDocument/2006/customXml" ds:itemID="{B0CA13EC-1D3C-4D6F-8D1C-E8A452CFC79A}">
-  <ds:schemaRefs>
-    <ds:schemaRef ds:uri="http://schemas.microsoft.com/sharepoint/v3/contenttype/forms"/>
-  </ds:schemaRefs>
-</ds:datastoreItem>
-</file>
-
-<file path=customXml/itemProps2.xml><?xml version="1.0" encoding="utf-8"?>
 <ds:datastoreItem xmlns:ds="http://schemas.openxmlformats.org/officeDocument/2006/customXml" ds:itemID="{3253B29C-1CCD-4FE8-A1C4-023A0910DF96}">
   <ds:schemaRefs>
     <ds:schemaRef ds:uri="http://schemas.microsoft.com/office/2006/metadata/contentType"/>
@@ -8415,6 +8407,14 @@
     <ds:schemaRef ds:uri="http://purl.org/dc/elements/1.1/"/>
     <ds:schemaRef ds:uri="http://purl.org/dc/terms/"/>
     <ds:schemaRef ds:uri="http://schemas.microsoft.com/internal/obd"/>
+  </ds:schemaRefs>
+</ds:datastoreItem>
+</file>
+
+<file path=customXml/itemProps2.xml><?xml version="1.0" encoding="utf-8"?>
+<ds:datastoreItem xmlns:ds="http://schemas.openxmlformats.org/officeDocument/2006/customXml" ds:itemID="{B0CA13EC-1D3C-4D6F-8D1C-E8A452CFC79A}">
+  <ds:schemaRefs>
+    <ds:schemaRef ds:uri="http://schemas.microsoft.com/sharepoint/v3/contenttype/forms"/>
   </ds:schemaRefs>
 </ds:datastoreItem>
 </file>
